--- a/materials/slides/2.7 探索式测试—快递测试法.pptx
+++ b/materials/slides/2.7 探索式测试—快递测试法.pptx
@@ -5,17 +5,22 @@
     <p:sldMasterId id="2147483648" r:id="rId1"/>
   </p:sldMasterIdLst>
   <p:notesMasterIdLst>
-    <p:notesMasterId r:id="rId10"/>
+    <p:notesMasterId r:id="rId15"/>
   </p:notesMasterIdLst>
   <p:sldIdLst>
     <p:sldId id="256" r:id="rId2"/>
     <p:sldId id="261" r:id="rId3"/>
     <p:sldId id="282" r:id="rId4"/>
-    <p:sldId id="283" r:id="rId5"/>
-    <p:sldId id="284" r:id="rId6"/>
-    <p:sldId id="285" r:id="rId7"/>
-    <p:sldId id="286" r:id="rId8"/>
-    <p:sldId id="274" r:id="rId9"/>
+    <p:sldId id="288" r:id="rId5"/>
+    <p:sldId id="289" r:id="rId6"/>
+    <p:sldId id="283" r:id="rId7"/>
+    <p:sldId id="290" r:id="rId8"/>
+    <p:sldId id="291" r:id="rId9"/>
+    <p:sldId id="292" r:id="rId10"/>
+    <p:sldId id="284" r:id="rId11"/>
+    <p:sldId id="285" r:id="rId12"/>
+    <p:sldId id="286" r:id="rId13"/>
+    <p:sldId id="274" r:id="rId14"/>
   </p:sldIdLst>
   <p:sldSz cx="12192000" cy="6858000"/>
   <p:notesSz cx="6858000" cy="9144000"/>
@@ -207,7 +212,7 @@
           <a:p>
             <a:fld id="{EC82124A-F363-4BD3-8BA5-C8EDB8A4673E}" type="datetimeFigureOut">
               <a:rPr lang="zh-CN" altLang="en-US" smtClean="0"/>
-              <a:t>2019/8/25</a:t>
+              <a:t>2019/9/23</a:t>
             </a:fld>
             <a:endParaRPr lang="zh-CN" altLang="en-US"/>
           </a:p>
@@ -475,6 +480,208 @@
 </p:notesMaster>
 </file>
 
+<file path=ppt/notesSlides/notesSlide1.xml><?xml version="1.0" encoding="utf-8"?>
+<p:notes xmlns:a="http://schemas.openxmlformats.org/drawingml/2006/main" xmlns:r="http://schemas.openxmlformats.org/officeDocument/2006/relationships" xmlns:p="http://schemas.openxmlformats.org/presentationml/2006/main">
+  <p:cSld>
+    <p:spTree>
+      <p:nvGrpSpPr>
+        <p:cNvPr id="1" name=""/>
+        <p:cNvGrpSpPr/>
+        <p:nvPr/>
+      </p:nvGrpSpPr>
+      <p:grpSpPr>
+        <a:xfrm>
+          <a:off x="0" y="0"/>
+          <a:ext cx="0" cy="0"/>
+          <a:chOff x="0" y="0"/>
+          <a:chExt cx="0" cy="0"/>
+        </a:xfrm>
+      </p:grpSpPr>
+      <p:sp>
+        <p:nvSpPr>
+          <p:cNvPr id="2" name="幻灯片图像占位符 1"/>
+          <p:cNvSpPr>
+            <a:spLocks noGrp="1" noRot="1" noChangeAspect="1"/>
+          </p:cNvSpPr>
+          <p:nvPr>
+            <p:ph type="sldImg"/>
+          </p:nvPr>
+        </p:nvSpPr>
+        <p:spPr/>
+      </p:sp>
+      <p:sp>
+        <p:nvSpPr>
+          <p:cNvPr id="3" name="备注占位符 2"/>
+          <p:cNvSpPr>
+            <a:spLocks noGrp="1"/>
+          </p:cNvSpPr>
+          <p:nvPr>
+            <p:ph type="body" idx="1"/>
+          </p:nvPr>
+        </p:nvSpPr>
+        <p:spPr/>
+        <p:txBody>
+          <a:bodyPr/>
+          <a:lstStyle/>
+          <a:p>
+            <a:endParaRPr lang="zh-CN" altLang="en-US" dirty="0"/>
+          </a:p>
+        </p:txBody>
+      </p:sp>
+      <p:sp>
+        <p:nvSpPr>
+          <p:cNvPr id="4" name="灯片编号占位符 3"/>
+          <p:cNvSpPr>
+            <a:spLocks noGrp="1"/>
+          </p:cNvSpPr>
+          <p:nvPr>
+            <p:ph type="sldNum" sz="quarter" idx="10"/>
+          </p:nvPr>
+        </p:nvSpPr>
+        <p:spPr/>
+        <p:txBody>
+          <a:bodyPr/>
+          <a:lstStyle/>
+          <a:p>
+            <a:fld id="{8D7ACA88-C620-47A1-A6D3-F68F6DD6FEE9}" type="slidenum">
+              <a:rPr lang="zh-CN" altLang="en-US" smtClean="0"/>
+              <a:t>1</a:t>
+            </a:fld>
+            <a:endParaRPr lang="zh-CN" altLang="en-US"/>
+          </a:p>
+        </p:txBody>
+      </p:sp>
+    </p:spTree>
+    <p:extLst>
+      <p:ext uri="{BB962C8B-B14F-4D97-AF65-F5344CB8AC3E}">
+        <p14:creationId xmlns:p14="http://schemas.microsoft.com/office/powerpoint/2010/main" val="4068765857"/>
+      </p:ext>
+    </p:extLst>
+  </p:cSld>
+  <p:clrMapOvr>
+    <a:masterClrMapping/>
+  </p:clrMapOvr>
+</p:notes>
+</file>
+
+<file path=ppt/notesSlides/notesSlide2.xml><?xml version="1.0" encoding="utf-8"?>
+<p:notes xmlns:a="http://schemas.openxmlformats.org/drawingml/2006/main" xmlns:r="http://schemas.openxmlformats.org/officeDocument/2006/relationships" xmlns:p="http://schemas.openxmlformats.org/presentationml/2006/main">
+  <p:cSld>
+    <p:spTree>
+      <p:nvGrpSpPr>
+        <p:cNvPr id="1" name=""/>
+        <p:cNvGrpSpPr/>
+        <p:nvPr/>
+      </p:nvGrpSpPr>
+      <p:grpSpPr>
+        <a:xfrm>
+          <a:off x="0" y="0"/>
+          <a:ext cx="0" cy="0"/>
+          <a:chOff x="0" y="0"/>
+          <a:chExt cx="0" cy="0"/>
+        </a:xfrm>
+      </p:grpSpPr>
+      <p:sp>
+        <p:nvSpPr>
+          <p:cNvPr id="2" name="幻灯片图像占位符 1"/>
+          <p:cNvSpPr>
+            <a:spLocks noGrp="1" noRot="1" noChangeAspect="1"/>
+          </p:cNvSpPr>
+          <p:nvPr>
+            <p:ph type="sldImg"/>
+          </p:nvPr>
+        </p:nvSpPr>
+        <p:spPr/>
+      </p:sp>
+      <p:sp>
+        <p:nvSpPr>
+          <p:cNvPr id="3" name="备注占位符 2"/>
+          <p:cNvSpPr>
+            <a:spLocks noGrp="1"/>
+          </p:cNvSpPr>
+          <p:nvPr>
+            <p:ph type="body" idx="1"/>
+          </p:nvPr>
+        </p:nvSpPr>
+        <p:spPr/>
+        <p:txBody>
+          <a:bodyPr/>
+          <a:lstStyle/>
+          <a:p>
+            <a:pPr marL="0" indent="0">
+              <a:buNone/>
+            </a:pPr>
+            <a:r>
+              <a:rPr lang="zh-CN" altLang="en-US" dirty="0" smtClean="0"/>
+              <a:t>测试时在第</a:t>
+            </a:r>
+            <a:r>
+              <a:rPr lang="en-US" altLang="zh-CN" dirty="0" smtClean="0"/>
+              <a:t>4</a:t>
+            </a:r>
+            <a:r>
+              <a:rPr lang="zh-CN" altLang="en-US" dirty="0" smtClean="0"/>
+              <a:t>步骤发现问题</a:t>
+            </a:r>
+          </a:p>
+          <a:p>
+            <a:pPr marL="0" indent="0">
+              <a:buNone/>
+            </a:pPr>
+            <a:r>
+              <a:rPr lang="zh-CN" altLang="en-US" dirty="0" smtClean="0"/>
+              <a:t>　　无网时，输入评论，实际评论个数</a:t>
+            </a:r>
+            <a:r>
+              <a:rPr lang="en-US" altLang="zh-CN" dirty="0" smtClean="0"/>
+              <a:t>+1</a:t>
+            </a:r>
+            <a:r>
+              <a:rPr lang="zh-CN" altLang="en-US" dirty="0" smtClean="0"/>
+              <a:t>，但是不显示评论信息（说明只计算了评论个数，实际评论并未保存）；联网后，再次查看评论，实际不展示个数和评论信息</a:t>
+            </a:r>
+          </a:p>
+          <a:p>
+            <a:endParaRPr lang="zh-CN" altLang="en-US" dirty="0"/>
+          </a:p>
+        </p:txBody>
+      </p:sp>
+      <p:sp>
+        <p:nvSpPr>
+          <p:cNvPr id="4" name="灯片编号占位符 3"/>
+          <p:cNvSpPr>
+            <a:spLocks noGrp="1"/>
+          </p:cNvSpPr>
+          <p:nvPr>
+            <p:ph type="sldNum" sz="quarter" idx="10"/>
+          </p:nvPr>
+        </p:nvSpPr>
+        <p:spPr/>
+        <p:txBody>
+          <a:bodyPr/>
+          <a:lstStyle/>
+          <a:p>
+            <a:fld id="{8D7ACA88-C620-47A1-A6D3-F68F6DD6FEE9}" type="slidenum">
+              <a:rPr lang="zh-CN" altLang="en-US" smtClean="0"/>
+              <a:t>9</a:t>
+            </a:fld>
+            <a:endParaRPr lang="zh-CN" altLang="en-US"/>
+          </a:p>
+        </p:txBody>
+      </p:sp>
+    </p:spTree>
+    <p:extLst>
+      <p:ext uri="{BB962C8B-B14F-4D97-AF65-F5344CB8AC3E}">
+        <p14:creationId xmlns:p14="http://schemas.microsoft.com/office/powerpoint/2010/main" val="3615121067"/>
+      </p:ext>
+    </p:extLst>
+  </p:cSld>
+  <p:clrMapOvr>
+    <a:masterClrMapping/>
+  </p:clrMapOvr>
+</p:notes>
+</file>
+
 <file path=ppt/slideLayouts/slideLayout1.xml><?xml version="1.0" encoding="utf-8"?>
 <p:sldLayout xmlns:a="http://schemas.openxmlformats.org/drawingml/2006/main" xmlns:r="http://schemas.openxmlformats.org/officeDocument/2006/relationships" xmlns:p="http://schemas.openxmlformats.org/presentationml/2006/main" type="title" preserve="1">
   <p:cSld name="标题幻灯片">
@@ -610,7 +817,7 @@
           <a:p>
             <a:fld id="{C04CF4A6-17F9-4CD5-BCB8-44B65F331829}" type="datetimeFigureOut">
               <a:rPr lang="zh-CN" altLang="en-US" smtClean="0"/>
-              <a:t>2019/8/25</a:t>
+              <a:t>2019/9/23</a:t>
             </a:fld>
             <a:endParaRPr lang="zh-CN" altLang="en-US"/>
           </a:p>
@@ -902,7 +1109,7 @@
           <a:p>
             <a:fld id="{C04CF4A6-17F9-4CD5-BCB8-44B65F331829}" type="datetimeFigureOut">
               <a:rPr lang="zh-CN" altLang="en-US" smtClean="0"/>
-              <a:t>2019/8/25</a:t>
+              <a:t>2019/9/23</a:t>
             </a:fld>
             <a:endParaRPr lang="zh-CN" altLang="en-US"/>
           </a:p>
@@ -1072,7 +1279,7 @@
           <a:p>
             <a:fld id="{C04CF4A6-17F9-4CD5-BCB8-44B65F331829}" type="datetimeFigureOut">
               <a:rPr lang="zh-CN" altLang="en-US" smtClean="0"/>
-              <a:t>2019/8/25</a:t>
+              <a:t>2019/9/23</a:t>
             </a:fld>
             <a:endParaRPr lang="zh-CN" altLang="en-US"/>
           </a:p>
@@ -1252,7 +1459,7 @@
           <a:p>
             <a:fld id="{C04CF4A6-17F9-4CD5-BCB8-44B65F331829}" type="datetimeFigureOut">
               <a:rPr lang="zh-CN" altLang="en-US" smtClean="0"/>
-              <a:t>2019/8/25</a:t>
+              <a:t>2019/9/23</a:t>
             </a:fld>
             <a:endParaRPr lang="zh-CN" altLang="en-US"/>
           </a:p>
@@ -1476,7 +1683,7 @@
           <a:p>
             <a:fld id="{C04CF4A6-17F9-4CD5-BCB8-44B65F331829}" type="datetimeFigureOut">
               <a:rPr lang="zh-CN" altLang="en-US" smtClean="0"/>
-              <a:t>2019/8/25</a:t>
+              <a:t>2019/9/23</a:t>
             </a:fld>
             <a:endParaRPr lang="zh-CN" altLang="en-US"/>
           </a:p>
@@ -1773,7 +1980,7 @@
           <a:p>
             <a:fld id="{C04CF4A6-17F9-4CD5-BCB8-44B65F331829}" type="datetimeFigureOut">
               <a:rPr lang="zh-CN" altLang="en-US" smtClean="0"/>
-              <a:t>2019/8/25</a:t>
+              <a:t>2019/9/23</a:t>
             </a:fld>
             <a:endParaRPr lang="zh-CN" altLang="en-US"/>
           </a:p>
@@ -2092,7 +2299,7 @@
           <a:p>
             <a:fld id="{C04CF4A6-17F9-4CD5-BCB8-44B65F331829}" type="datetimeFigureOut">
               <a:rPr lang="zh-CN" altLang="en-US" smtClean="0"/>
-              <a:t>2019/8/25</a:t>
+              <a:t>2019/9/23</a:t>
             </a:fld>
             <a:endParaRPr lang="zh-CN" altLang="en-US"/>
           </a:p>
@@ -2324,7 +2531,7 @@
           <a:p>
             <a:fld id="{C04CF4A6-17F9-4CD5-BCB8-44B65F331829}" type="datetimeFigureOut">
               <a:rPr lang="zh-CN" altLang="en-US" smtClean="0"/>
-              <a:t>2019/8/25</a:t>
+              <a:t>2019/9/23</a:t>
             </a:fld>
             <a:endParaRPr lang="zh-CN" altLang="en-US"/>
           </a:p>
@@ -2691,7 +2898,7 @@
           <a:p>
             <a:fld id="{C04CF4A6-17F9-4CD5-BCB8-44B65F331829}" type="datetimeFigureOut">
               <a:rPr lang="zh-CN" altLang="en-US" smtClean="0"/>
-              <a:t>2019/8/25</a:t>
+              <a:t>2019/9/23</a:t>
             </a:fld>
             <a:endParaRPr lang="zh-CN" altLang="en-US"/>
           </a:p>
@@ -2809,7 +3016,7 @@
           <a:p>
             <a:fld id="{C04CF4A6-17F9-4CD5-BCB8-44B65F331829}" type="datetimeFigureOut">
               <a:rPr lang="zh-CN" altLang="en-US" smtClean="0"/>
-              <a:t>2019/8/25</a:t>
+              <a:t>2019/9/23</a:t>
             </a:fld>
             <a:endParaRPr lang="zh-CN" altLang="en-US"/>
           </a:p>
@@ -2904,7 +3111,7 @@
           <a:p>
             <a:fld id="{C04CF4A6-17F9-4CD5-BCB8-44B65F331829}" type="datetimeFigureOut">
               <a:rPr lang="zh-CN" altLang="en-US" smtClean="0"/>
-              <a:t>2019/8/25</a:t>
+              <a:t>2019/9/23</a:t>
             </a:fld>
             <a:endParaRPr lang="zh-CN" altLang="en-US"/>
           </a:p>
@@ -3181,7 +3388,7 @@
           <a:p>
             <a:fld id="{C04CF4A6-17F9-4CD5-BCB8-44B65F331829}" type="datetimeFigureOut">
               <a:rPr lang="zh-CN" altLang="en-US" smtClean="0"/>
-              <a:t>2019/8/25</a:t>
+              <a:t>2019/9/23</a:t>
             </a:fld>
             <a:endParaRPr lang="zh-CN" altLang="en-US"/>
           </a:p>
@@ -3394,7 +3601,7 @@
           <a:p>
             <a:fld id="{C04CF4A6-17F9-4CD5-BCB8-44B65F331829}" type="datetimeFigureOut">
               <a:rPr lang="zh-CN" altLang="en-US" smtClean="0"/>
-              <a:t>2019/8/25</a:t>
+              <a:t>2019/9/23</a:t>
             </a:fld>
             <a:endParaRPr lang="zh-CN" altLang="en-US"/>
           </a:p>
@@ -3905,6 +4112,413 @@
 </p:sld>
 </file>
 
+<file path=ppt/slides/slide10.xml><?xml version="1.0" encoding="utf-8"?>
+<p:sld xmlns:a="http://schemas.openxmlformats.org/drawingml/2006/main" xmlns:r="http://schemas.openxmlformats.org/officeDocument/2006/relationships" xmlns:p="http://schemas.openxmlformats.org/presentationml/2006/main">
+  <p:cSld>
+    <p:spTree>
+      <p:nvGrpSpPr>
+        <p:cNvPr id="1" name=""/>
+        <p:cNvGrpSpPr/>
+        <p:nvPr/>
+      </p:nvGrpSpPr>
+      <p:grpSpPr>
+        <a:xfrm>
+          <a:off x="0" y="0"/>
+          <a:ext cx="0" cy="0"/>
+          <a:chOff x="0" y="0"/>
+          <a:chExt cx="0" cy="0"/>
+        </a:xfrm>
+      </p:grpSpPr>
+      <p:sp>
+        <p:nvSpPr>
+          <p:cNvPr id="2" name="标题 1"/>
+          <p:cNvSpPr>
+            <a:spLocks noGrp="1"/>
+          </p:cNvSpPr>
+          <p:nvPr>
+            <p:ph type="title"/>
+          </p:nvPr>
+        </p:nvSpPr>
+        <p:spPr/>
+        <p:txBody>
+          <a:bodyPr/>
+          <a:lstStyle/>
+          <a:p>
+            <a:r>
+              <a:rPr lang="zh-CN" altLang="en-US" dirty="0" smtClean="0"/>
+              <a:t>快递测试法使用举例</a:t>
+            </a:r>
+            <a:endParaRPr lang="zh-CN" altLang="en-US" dirty="0"/>
+          </a:p>
+        </p:txBody>
+      </p:sp>
+      <p:sp>
+        <p:nvSpPr>
+          <p:cNvPr id="3" name="内容占位符 2"/>
+          <p:cNvSpPr>
+            <a:spLocks noGrp="1"/>
+          </p:cNvSpPr>
+          <p:nvPr>
+            <p:ph idx="1"/>
+          </p:nvPr>
+        </p:nvSpPr>
+        <p:spPr/>
+        <p:txBody>
+          <a:bodyPr/>
+          <a:lstStyle/>
+          <a:p>
+            <a:r>
+              <a:rPr lang="zh-CN" altLang="en-US" dirty="0" smtClean="0"/>
+              <a:t>禅道中测试版本、测试计划、测试用例管理</a:t>
+            </a:r>
+            <a:endParaRPr lang="en-US" altLang="zh-CN" dirty="0" smtClean="0"/>
+          </a:p>
+          <a:p>
+            <a:pPr lvl="1"/>
+            <a:r>
+              <a:rPr lang="zh-CN" altLang="en-US" dirty="0" smtClean="0"/>
+              <a:t>测试版本</a:t>
+            </a:r>
+            <a:r>
+              <a:rPr lang="en-US" altLang="zh-CN" dirty="0" smtClean="0"/>
+              <a:t>V1.0.1</a:t>
+            </a:r>
+            <a:r>
+              <a:rPr lang="zh-CN" altLang="en-US" dirty="0" smtClean="0"/>
+              <a:t>关联了相应的测试用例，如果将该版本删除，测试用例是否会受影响？</a:t>
+            </a:r>
+            <a:endParaRPr lang="en-US" altLang="zh-CN" dirty="0" smtClean="0"/>
+          </a:p>
+          <a:p>
+            <a:pPr lvl="1"/>
+            <a:r>
+              <a:rPr lang="zh-CN" altLang="en-US" dirty="0" smtClean="0"/>
+              <a:t>修改关联过多个版本的测试用例，在每个版本下打开是否是修改后的，还是需要手动刷新才能修改？</a:t>
+            </a:r>
+            <a:endParaRPr lang="en-US" altLang="zh-CN" dirty="0" smtClean="0"/>
+          </a:p>
+          <a:p>
+            <a:pPr lvl="1"/>
+            <a:r>
+              <a:rPr lang="zh-CN" altLang="en-US" dirty="0" smtClean="0"/>
+              <a:t>缺陷关联到某个用例，用例删除后，缺陷会有什么变化？</a:t>
+            </a:r>
+            <a:endParaRPr lang="zh-CN" altLang="en-US" dirty="0"/>
+          </a:p>
+        </p:txBody>
+      </p:sp>
+    </p:spTree>
+    <p:extLst>
+      <p:ext uri="{BB962C8B-B14F-4D97-AF65-F5344CB8AC3E}">
+        <p14:creationId xmlns:p14="http://schemas.microsoft.com/office/powerpoint/2010/main" val="4247099253"/>
+      </p:ext>
+    </p:extLst>
+  </p:cSld>
+  <p:clrMapOvr>
+    <a:masterClrMapping/>
+  </p:clrMapOvr>
+  <p:timing>
+    <p:tnLst>
+      <p:par>
+        <p:cTn id="1" dur="indefinite" restart="never" nodeType="tmRoot"/>
+      </p:par>
+    </p:tnLst>
+  </p:timing>
+</p:sld>
+</file>
+
+<file path=ppt/slides/slide11.xml><?xml version="1.0" encoding="utf-8"?>
+<p:sld xmlns:a="http://schemas.openxmlformats.org/drawingml/2006/main" xmlns:r="http://schemas.openxmlformats.org/officeDocument/2006/relationships" xmlns:p="http://schemas.openxmlformats.org/presentationml/2006/main">
+  <p:cSld>
+    <p:spTree>
+      <p:nvGrpSpPr>
+        <p:cNvPr id="1" name=""/>
+        <p:cNvGrpSpPr/>
+        <p:nvPr/>
+      </p:nvGrpSpPr>
+      <p:grpSpPr>
+        <a:xfrm>
+          <a:off x="0" y="0"/>
+          <a:ext cx="0" cy="0"/>
+          <a:chOff x="0" y="0"/>
+          <a:chExt cx="0" cy="0"/>
+        </a:xfrm>
+      </p:grpSpPr>
+      <p:sp>
+        <p:nvSpPr>
+          <p:cNvPr id="2" name="标题 1"/>
+          <p:cNvSpPr>
+            <a:spLocks noGrp="1"/>
+          </p:cNvSpPr>
+          <p:nvPr>
+            <p:ph type="title"/>
+          </p:nvPr>
+        </p:nvSpPr>
+        <p:spPr/>
+        <p:txBody>
+          <a:bodyPr/>
+          <a:lstStyle/>
+          <a:p>
+            <a:r>
+              <a:rPr lang="zh-CN" altLang="en-US" dirty="0" smtClean="0"/>
+              <a:t>总结</a:t>
+            </a:r>
+            <a:endParaRPr lang="zh-CN" altLang="en-US" dirty="0"/>
+          </a:p>
+        </p:txBody>
+      </p:sp>
+      <p:sp>
+        <p:nvSpPr>
+          <p:cNvPr id="3" name="内容占位符 2"/>
+          <p:cNvSpPr>
+            <a:spLocks noGrp="1"/>
+          </p:cNvSpPr>
+          <p:nvPr>
+            <p:ph idx="1"/>
+          </p:nvPr>
+        </p:nvSpPr>
+        <p:spPr/>
+        <p:txBody>
+          <a:bodyPr/>
+          <a:lstStyle/>
+          <a:p>
+            <a:r>
+              <a:rPr lang="zh-CN" altLang="en-US" dirty="0" smtClean="0"/>
+              <a:t>快递测试法概述</a:t>
+            </a:r>
+            <a:endParaRPr lang="en-US" altLang="zh-CN" dirty="0" smtClean="0"/>
+          </a:p>
+          <a:p>
+            <a:r>
+              <a:rPr lang="zh-CN" altLang="en-US" dirty="0" smtClean="0"/>
+              <a:t>快递测试法的使用和举例</a:t>
+            </a:r>
+            <a:endParaRPr lang="en-US" altLang="zh-CN" dirty="0" smtClean="0"/>
+          </a:p>
+          <a:p>
+            <a:r>
+              <a:rPr lang="zh-CN" altLang="en-US" dirty="0" smtClean="0"/>
+              <a:t>快递测试法重点关注的内容</a:t>
+            </a:r>
+            <a:endParaRPr lang="zh-CN" altLang="en-US" dirty="0"/>
+          </a:p>
+        </p:txBody>
+      </p:sp>
+    </p:spTree>
+    <p:extLst>
+      <p:ext uri="{BB962C8B-B14F-4D97-AF65-F5344CB8AC3E}">
+        <p14:creationId xmlns:p14="http://schemas.microsoft.com/office/powerpoint/2010/main" val="1074784397"/>
+      </p:ext>
+    </p:extLst>
+  </p:cSld>
+  <p:clrMapOvr>
+    <a:masterClrMapping/>
+  </p:clrMapOvr>
+  <p:timing>
+    <p:tnLst>
+      <p:par>
+        <p:cTn id="1" dur="indefinite" restart="never" nodeType="tmRoot"/>
+      </p:par>
+    </p:tnLst>
+  </p:timing>
+</p:sld>
+</file>
+
+<file path=ppt/slides/slide12.xml><?xml version="1.0" encoding="utf-8"?>
+<p:sld xmlns:a="http://schemas.openxmlformats.org/drawingml/2006/main" xmlns:r="http://schemas.openxmlformats.org/officeDocument/2006/relationships" xmlns:p="http://schemas.openxmlformats.org/presentationml/2006/main">
+  <p:cSld>
+    <p:spTree>
+      <p:nvGrpSpPr>
+        <p:cNvPr id="1" name=""/>
+        <p:cNvGrpSpPr/>
+        <p:nvPr/>
+      </p:nvGrpSpPr>
+      <p:grpSpPr>
+        <a:xfrm>
+          <a:off x="0" y="0"/>
+          <a:ext cx="0" cy="0"/>
+          <a:chOff x="0" y="0"/>
+          <a:chExt cx="0" cy="0"/>
+        </a:xfrm>
+      </p:grpSpPr>
+      <p:sp>
+        <p:nvSpPr>
+          <p:cNvPr id="2" name="标题 1"/>
+          <p:cNvSpPr>
+            <a:spLocks noGrp="1"/>
+          </p:cNvSpPr>
+          <p:nvPr>
+            <p:ph type="title"/>
+          </p:nvPr>
+        </p:nvSpPr>
+        <p:spPr/>
+        <p:txBody>
+          <a:bodyPr/>
+          <a:lstStyle/>
+          <a:p>
+            <a:r>
+              <a:rPr lang="zh-CN" altLang="en-US" dirty="0" smtClean="0"/>
+              <a:t>练习</a:t>
+            </a:r>
+            <a:endParaRPr lang="zh-CN" altLang="en-US" dirty="0"/>
+          </a:p>
+        </p:txBody>
+      </p:sp>
+      <p:sp>
+        <p:nvSpPr>
+          <p:cNvPr id="3" name="内容占位符 2"/>
+          <p:cNvSpPr>
+            <a:spLocks noGrp="1"/>
+          </p:cNvSpPr>
+          <p:nvPr>
+            <p:ph idx="1"/>
+          </p:nvPr>
+        </p:nvSpPr>
+        <p:spPr>
+          <a:xfrm>
+            <a:off x="812800" y="1050924"/>
+            <a:ext cx="10515600" cy="4930775"/>
+          </a:xfrm>
+        </p:spPr>
+        <p:txBody>
+          <a:bodyPr/>
+          <a:lstStyle/>
+          <a:p>
+            <a:r>
+              <a:rPr lang="zh-CN" altLang="en-US" dirty="0" smtClean="0"/>
+              <a:t>雪梨判作业流程，作业由待审核</a:t>
+            </a:r>
+            <a:r>
+              <a:rPr lang="en-US" altLang="zh-CN" dirty="0" smtClean="0"/>
+              <a:t>—</a:t>
+            </a:r>
+            <a:r>
+              <a:rPr lang="zh-CN" altLang="en-US" dirty="0" smtClean="0"/>
+              <a:t>已审核</a:t>
+            </a:r>
+            <a:r>
+              <a:rPr lang="en-US" altLang="zh-CN" dirty="0" smtClean="0"/>
+              <a:t>—</a:t>
+            </a:r>
+            <a:r>
+              <a:rPr lang="zh-CN" altLang="en-US" dirty="0" smtClean="0"/>
+              <a:t>已完成</a:t>
+            </a:r>
+            <a:endParaRPr lang="en-US" altLang="zh-CN" dirty="0" smtClean="0"/>
+          </a:p>
+          <a:p>
+            <a:r>
+              <a:rPr lang="zh-CN" altLang="en-US" dirty="0" smtClean="0"/>
+              <a:t>雪梨作业提交后，作业状态的改变</a:t>
+            </a:r>
+            <a:endParaRPr lang="en-US" altLang="zh-CN" dirty="0" smtClean="0"/>
+          </a:p>
+          <a:p>
+            <a:r>
+              <a:rPr lang="zh-CN" altLang="en-US" dirty="0" smtClean="0"/>
+              <a:t>商品购买前，购买后，发货前后，签收前后，商品状态（数据）的变化</a:t>
+            </a:r>
+            <a:endParaRPr lang="en-US" altLang="zh-CN" dirty="0" smtClean="0"/>
+          </a:p>
+          <a:p>
+            <a:r>
+              <a:rPr lang="zh-CN" altLang="en-US" dirty="0" smtClean="0"/>
+              <a:t>钉钉：请假流程</a:t>
+            </a:r>
+            <a:endParaRPr lang="en-US" altLang="zh-CN" dirty="0" smtClean="0"/>
+          </a:p>
+          <a:p>
+            <a:r>
+              <a:rPr lang="en-US" altLang="zh-CN" dirty="0"/>
+              <a:t>……</a:t>
+            </a:r>
+            <a:endParaRPr lang="en-US" altLang="zh-CN" dirty="0" smtClean="0"/>
+          </a:p>
+          <a:p>
+            <a:endParaRPr lang="zh-CN" altLang="en-US" dirty="0"/>
+          </a:p>
+        </p:txBody>
+      </p:sp>
+    </p:spTree>
+    <p:extLst>
+      <p:ext uri="{BB962C8B-B14F-4D97-AF65-F5344CB8AC3E}">
+        <p14:creationId xmlns:p14="http://schemas.microsoft.com/office/powerpoint/2010/main" val="2698113723"/>
+      </p:ext>
+    </p:extLst>
+  </p:cSld>
+  <p:clrMapOvr>
+    <a:masterClrMapping/>
+  </p:clrMapOvr>
+  <p:timing>
+    <p:tnLst>
+      <p:par>
+        <p:cTn id="1" dur="indefinite" restart="never" nodeType="tmRoot"/>
+      </p:par>
+    </p:tnLst>
+  </p:timing>
+</p:sld>
+</file>
+
+<file path=ppt/slides/slide13.xml><?xml version="1.0" encoding="utf-8"?>
+<p:sld xmlns:a="http://schemas.openxmlformats.org/drawingml/2006/main" xmlns:r="http://schemas.openxmlformats.org/officeDocument/2006/relationships" xmlns:p="http://schemas.openxmlformats.org/presentationml/2006/main">
+  <p:cSld>
+    <p:spTree>
+      <p:nvGrpSpPr>
+        <p:cNvPr id="1" name=""/>
+        <p:cNvGrpSpPr/>
+        <p:nvPr/>
+      </p:nvGrpSpPr>
+      <p:grpSpPr>
+        <a:xfrm>
+          <a:off x="0" y="0"/>
+          <a:ext cx="0" cy="0"/>
+          <a:chOff x="0" y="0"/>
+          <a:chExt cx="0" cy="0"/>
+        </a:xfrm>
+      </p:grpSpPr>
+      <p:sp>
+        <p:nvSpPr>
+          <p:cNvPr id="4" name="标题 3"/>
+          <p:cNvSpPr>
+            <a:spLocks noGrp="1"/>
+          </p:cNvSpPr>
+          <p:nvPr>
+            <p:ph type="ctrTitle"/>
+          </p:nvPr>
+        </p:nvSpPr>
+        <p:spPr/>
+        <p:txBody>
+          <a:bodyPr/>
+          <a:lstStyle/>
+          <a:p>
+            <a:r>
+              <a:rPr lang="en-US" altLang="zh-CN" dirty="0" smtClean="0"/>
+              <a:t>Question</a:t>
+            </a:r>
+            <a:endParaRPr lang="zh-CN" altLang="en-US" dirty="0"/>
+          </a:p>
+        </p:txBody>
+      </p:sp>
+    </p:spTree>
+    <p:extLst>
+      <p:ext uri="{BB962C8B-B14F-4D97-AF65-F5344CB8AC3E}">
+        <p14:creationId xmlns:p14="http://schemas.microsoft.com/office/powerpoint/2010/main" val="2464091055"/>
+      </p:ext>
+    </p:extLst>
+  </p:cSld>
+  <p:clrMapOvr>
+    <a:masterClrMapping/>
+  </p:clrMapOvr>
+  <p:timing>
+    <p:tnLst>
+      <p:par>
+        <p:cTn id="1" dur="indefinite" restart="never" nodeType="tmRoot"/>
+      </p:par>
+    </p:tnLst>
+  </p:timing>
+</p:sld>
+</file>
+
 <file path=ppt/slides/slide2.xml><?xml version="1.0" encoding="utf-8"?>
 <p:sld xmlns:a="http://schemas.openxmlformats.org/drawingml/2006/main" xmlns:r="http://schemas.openxmlformats.org/officeDocument/2006/relationships" xmlns:p="http://schemas.openxmlformats.org/presentationml/2006/main">
   <p:cSld>
@@ -4086,23 +4700,888 @@
             </a:r>
             <a:endParaRPr lang="en-US" altLang="zh-CN" dirty="0" smtClean="0"/>
           </a:p>
-          <a:p>
-            <a:r>
-              <a:rPr lang="zh-CN" altLang="en-US" dirty="0" smtClean="0"/>
-              <a:t>快递测试法</a:t>
-            </a:r>
-            <a:endParaRPr lang="en-US" altLang="zh-CN" dirty="0" smtClean="0"/>
-          </a:p>
-          <a:p>
-            <a:pPr lvl="1"/>
-            <a:r>
-              <a:rPr lang="zh-CN" altLang="en-US" dirty="0" smtClean="0"/>
-              <a:t>将数据看做包裹，在软件中不断流动，数据从被输入后就开始它的生命周期，先被存储在内部变量和数据结构中，然后在计算中被频繁操作、修改和使用，最后，这个数据作为输出被“递送”给用户或目的地</a:t>
-            </a:r>
-            <a:endParaRPr lang="zh-CN" altLang="en-US" dirty="0"/>
-          </a:p>
-        </p:txBody>
-      </p:sp>
+        </p:txBody>
+      </p:sp>
+      <p:grpSp>
+        <p:nvGrpSpPr>
+          <p:cNvPr id="4" name="组合 3"/>
+          <p:cNvGrpSpPr/>
+          <p:nvPr/>
+        </p:nvGrpSpPr>
+        <p:grpSpPr>
+          <a:xfrm>
+            <a:off x="1270000" y="2400300"/>
+            <a:ext cx="8737600" cy="4241800"/>
+            <a:chOff x="1206500" y="1293803"/>
+            <a:chExt cx="9156700" cy="5335597"/>
+          </a:xfrm>
+        </p:grpSpPr>
+        <p:sp>
+          <p:nvSpPr>
+            <p:cNvPr id="5" name="圆角矩形 4"/>
+            <p:cNvSpPr/>
+            <p:nvPr/>
+          </p:nvSpPr>
+          <p:spPr>
+            <a:xfrm>
+              <a:off x="1206500" y="1549400"/>
+              <a:ext cx="1714500" cy="863600"/>
+            </a:xfrm>
+            <a:prstGeom prst="roundRect">
+              <a:avLst/>
+            </a:prstGeom>
+          </p:spPr>
+          <p:style>
+            <a:lnRef idx="2">
+              <a:schemeClr val="accent1">
+                <a:shade val="50000"/>
+              </a:schemeClr>
+            </a:lnRef>
+            <a:fillRef idx="1">
+              <a:schemeClr val="accent1"/>
+            </a:fillRef>
+            <a:effectRef idx="0">
+              <a:schemeClr val="accent1"/>
+            </a:effectRef>
+            <a:fontRef idx="minor">
+              <a:schemeClr val="lt1"/>
+            </a:fontRef>
+          </p:style>
+          <p:txBody>
+            <a:bodyPr rtlCol="0" anchor="ctr"/>
+            <a:lstStyle/>
+            <a:p>
+              <a:pPr algn="ctr"/>
+              <a:r>
+                <a:rPr lang="zh-CN" altLang="en-US" sz="2400" b="1" dirty="0" smtClean="0">
+                  <a:solidFill>
+                    <a:schemeClr val="tx1"/>
+                  </a:solidFill>
+                  <a:latin typeface="楷体" panose="02010609060101010101" pitchFamily="49" charset="-122"/>
+                  <a:ea typeface="楷体" panose="02010609060101010101" pitchFamily="49" charset="-122"/>
+                </a:rPr>
+                <a:t>包裹管理基本设置</a:t>
+              </a:r>
+              <a:endParaRPr lang="zh-CN" altLang="en-US" sz="2400" b="1" dirty="0">
+                <a:solidFill>
+                  <a:schemeClr val="tx1"/>
+                </a:solidFill>
+                <a:latin typeface="楷体" panose="02010609060101010101" pitchFamily="49" charset="-122"/>
+                <a:ea typeface="楷体" panose="02010609060101010101" pitchFamily="49" charset="-122"/>
+              </a:endParaRPr>
+            </a:p>
+          </p:txBody>
+        </p:sp>
+        <p:sp>
+          <p:nvSpPr>
+            <p:cNvPr id="6" name="圆角矩形 5"/>
+            <p:cNvSpPr/>
+            <p:nvPr/>
+          </p:nvSpPr>
+          <p:spPr>
+            <a:xfrm>
+              <a:off x="3543300" y="1293803"/>
+              <a:ext cx="2108200" cy="1246197"/>
+            </a:xfrm>
+            <a:prstGeom prst="roundRect">
+              <a:avLst/>
+            </a:prstGeom>
+          </p:spPr>
+          <p:style>
+            <a:lnRef idx="2">
+              <a:schemeClr val="accent1">
+                <a:shade val="50000"/>
+              </a:schemeClr>
+            </a:lnRef>
+            <a:fillRef idx="1">
+              <a:schemeClr val="accent1"/>
+            </a:fillRef>
+            <a:effectRef idx="0">
+              <a:schemeClr val="accent1"/>
+            </a:effectRef>
+            <a:fontRef idx="minor">
+              <a:schemeClr val="lt1"/>
+            </a:fontRef>
+          </p:style>
+          <p:txBody>
+            <a:bodyPr rtlCol="0" anchor="ctr"/>
+            <a:lstStyle/>
+            <a:p>
+              <a:pPr algn="ctr"/>
+              <a:r>
+                <a:rPr lang="zh-CN" altLang="en-US" sz="2400" b="1" dirty="0" smtClean="0">
+                  <a:solidFill>
+                    <a:schemeClr val="tx1"/>
+                  </a:solidFill>
+                  <a:latin typeface="楷体" panose="02010609060101010101" pitchFamily="49" charset="-122"/>
+                  <a:ea typeface="楷体" panose="02010609060101010101" pitchFamily="49" charset="-122"/>
+                </a:rPr>
+                <a:t>包裹入库</a:t>
+              </a:r>
+              <a:endParaRPr lang="zh-CN" altLang="en-US" sz="2400" b="1" dirty="0">
+                <a:solidFill>
+                  <a:schemeClr val="tx1"/>
+                </a:solidFill>
+                <a:latin typeface="楷体" panose="02010609060101010101" pitchFamily="49" charset="-122"/>
+                <a:ea typeface="楷体" panose="02010609060101010101" pitchFamily="49" charset="-122"/>
+              </a:endParaRPr>
+            </a:p>
+          </p:txBody>
+        </p:sp>
+        <p:sp>
+          <p:nvSpPr>
+            <p:cNvPr id="7" name="圆角矩形 6"/>
+            <p:cNvSpPr/>
+            <p:nvPr/>
+          </p:nvSpPr>
+          <p:spPr>
+            <a:xfrm>
+              <a:off x="6142536" y="1645251"/>
+              <a:ext cx="1904872" cy="1118239"/>
+            </a:xfrm>
+            <a:prstGeom prst="roundRect">
+              <a:avLst/>
+            </a:prstGeom>
+          </p:spPr>
+          <p:style>
+            <a:lnRef idx="2">
+              <a:schemeClr val="accent1">
+                <a:shade val="50000"/>
+              </a:schemeClr>
+            </a:lnRef>
+            <a:fillRef idx="1">
+              <a:schemeClr val="accent1"/>
+            </a:fillRef>
+            <a:effectRef idx="0">
+              <a:schemeClr val="accent1"/>
+            </a:effectRef>
+            <a:fontRef idx="minor">
+              <a:schemeClr val="lt1"/>
+            </a:fontRef>
+          </p:style>
+          <p:txBody>
+            <a:bodyPr rtlCol="0" anchor="ctr"/>
+            <a:lstStyle/>
+            <a:p>
+              <a:pPr algn="ctr"/>
+              <a:r>
+                <a:rPr lang="zh-CN" altLang="en-US" sz="2400" b="1" dirty="0" smtClean="0">
+                  <a:solidFill>
+                    <a:schemeClr val="tx1"/>
+                  </a:solidFill>
+                  <a:latin typeface="楷体" panose="02010609060101010101" pitchFamily="49" charset="-122"/>
+                  <a:ea typeface="楷体" panose="02010609060101010101" pitchFamily="49" charset="-122"/>
+                </a:rPr>
+                <a:t>包裹出</a:t>
+              </a:r>
+              <a:r>
+                <a:rPr lang="zh-CN" altLang="en-US" sz="2400" b="1" dirty="0">
+                  <a:solidFill>
+                    <a:schemeClr val="tx1"/>
+                  </a:solidFill>
+                  <a:latin typeface="楷体" panose="02010609060101010101" pitchFamily="49" charset="-122"/>
+                  <a:ea typeface="楷体" panose="02010609060101010101" pitchFamily="49" charset="-122"/>
+                </a:rPr>
+                <a:t>库取货短信发送</a:t>
+              </a:r>
+            </a:p>
+            <a:p>
+              <a:pPr algn="ctr"/>
+              <a:endParaRPr lang="zh-CN" altLang="en-US" sz="2400" b="1" dirty="0">
+                <a:solidFill>
+                  <a:schemeClr val="tx1"/>
+                </a:solidFill>
+                <a:latin typeface="楷体" panose="02010609060101010101" pitchFamily="49" charset="-122"/>
+                <a:ea typeface="楷体" panose="02010609060101010101" pitchFamily="49" charset="-122"/>
+              </a:endParaRPr>
+            </a:p>
+          </p:txBody>
+        </p:sp>
+        <p:sp>
+          <p:nvSpPr>
+            <p:cNvPr id="8" name="圆角矩形 7"/>
+            <p:cNvSpPr/>
+            <p:nvPr/>
+          </p:nvSpPr>
+          <p:spPr>
+            <a:xfrm>
+              <a:off x="8648700" y="1600200"/>
+              <a:ext cx="1714500" cy="863600"/>
+            </a:xfrm>
+            <a:prstGeom prst="roundRect">
+              <a:avLst/>
+            </a:prstGeom>
+          </p:spPr>
+          <p:style>
+            <a:lnRef idx="2">
+              <a:schemeClr val="accent1">
+                <a:shade val="50000"/>
+              </a:schemeClr>
+            </a:lnRef>
+            <a:fillRef idx="1">
+              <a:schemeClr val="accent1"/>
+            </a:fillRef>
+            <a:effectRef idx="0">
+              <a:schemeClr val="accent1"/>
+            </a:effectRef>
+            <a:fontRef idx="minor">
+              <a:schemeClr val="lt1"/>
+            </a:fontRef>
+          </p:style>
+          <p:txBody>
+            <a:bodyPr rtlCol="0" anchor="ctr"/>
+            <a:lstStyle/>
+            <a:p>
+              <a:pPr algn="ctr"/>
+              <a:r>
+                <a:rPr lang="zh-CN" altLang="en-US" sz="2400" b="1" dirty="0" smtClean="0">
+                  <a:solidFill>
+                    <a:schemeClr val="tx1"/>
+                  </a:solidFill>
+                  <a:latin typeface="楷体" panose="02010609060101010101" pitchFamily="49" charset="-122"/>
+                  <a:ea typeface="楷体" panose="02010609060101010101" pitchFamily="49" charset="-122"/>
+                </a:rPr>
+                <a:t>包裹处理完成</a:t>
+              </a:r>
+              <a:endParaRPr lang="zh-CN" altLang="en-US" sz="2400" b="1" dirty="0">
+                <a:solidFill>
+                  <a:schemeClr val="tx1"/>
+                </a:solidFill>
+                <a:latin typeface="楷体" panose="02010609060101010101" pitchFamily="49" charset="-122"/>
+                <a:ea typeface="楷体" panose="02010609060101010101" pitchFamily="49" charset="-122"/>
+              </a:endParaRPr>
+            </a:p>
+          </p:txBody>
+        </p:sp>
+        <p:sp>
+          <p:nvSpPr>
+            <p:cNvPr id="9" name="圆角矩形 8"/>
+            <p:cNvSpPr/>
+            <p:nvPr/>
+          </p:nvSpPr>
+          <p:spPr>
+            <a:xfrm>
+              <a:off x="3543300" y="3429000"/>
+              <a:ext cx="1714500" cy="863600"/>
+            </a:xfrm>
+            <a:prstGeom prst="roundRect">
+              <a:avLst/>
+            </a:prstGeom>
+          </p:spPr>
+          <p:style>
+            <a:lnRef idx="2">
+              <a:schemeClr val="accent1">
+                <a:shade val="50000"/>
+              </a:schemeClr>
+            </a:lnRef>
+            <a:fillRef idx="1">
+              <a:schemeClr val="accent1"/>
+            </a:fillRef>
+            <a:effectRef idx="0">
+              <a:schemeClr val="accent1"/>
+            </a:effectRef>
+            <a:fontRef idx="minor">
+              <a:schemeClr val="lt1"/>
+            </a:fontRef>
+          </p:style>
+          <p:txBody>
+            <a:bodyPr rtlCol="0" anchor="ctr"/>
+            <a:lstStyle/>
+            <a:p>
+              <a:pPr algn="ctr"/>
+              <a:r>
+                <a:rPr lang="zh-CN" altLang="en-US" sz="2400" b="1" dirty="0">
+                  <a:solidFill>
+                    <a:schemeClr val="tx1"/>
+                  </a:solidFill>
+                  <a:latin typeface="楷体" panose="02010609060101010101" pitchFamily="49" charset="-122"/>
+                  <a:ea typeface="楷体" panose="02010609060101010101" pitchFamily="49" charset="-122"/>
+                </a:rPr>
+                <a:t>消费者</a:t>
+              </a:r>
+              <a:r>
+                <a:rPr lang="zh-CN" altLang="en-US" sz="2400" b="1" dirty="0" smtClean="0">
+                  <a:solidFill>
+                    <a:schemeClr val="tx1"/>
+                  </a:solidFill>
+                  <a:latin typeface="楷体" panose="02010609060101010101" pitchFamily="49" charset="-122"/>
+                  <a:ea typeface="楷体" panose="02010609060101010101" pitchFamily="49" charset="-122"/>
+                </a:rPr>
+                <a:t>签收</a:t>
+              </a:r>
+              <a:endParaRPr lang="zh-CN" altLang="en-US" sz="2400" b="1" dirty="0">
+                <a:solidFill>
+                  <a:schemeClr val="tx1"/>
+                </a:solidFill>
+                <a:latin typeface="楷体" panose="02010609060101010101" pitchFamily="49" charset="-122"/>
+                <a:ea typeface="楷体" panose="02010609060101010101" pitchFamily="49" charset="-122"/>
+              </a:endParaRPr>
+            </a:p>
+          </p:txBody>
+        </p:sp>
+        <p:sp>
+          <p:nvSpPr>
+            <p:cNvPr id="10" name="圆角矩形 9"/>
+            <p:cNvSpPr/>
+            <p:nvPr/>
+          </p:nvSpPr>
+          <p:spPr>
+            <a:xfrm>
+              <a:off x="6210300" y="3467100"/>
+              <a:ext cx="1714500" cy="863600"/>
+            </a:xfrm>
+            <a:prstGeom prst="roundRect">
+              <a:avLst/>
+            </a:prstGeom>
+          </p:spPr>
+          <p:style>
+            <a:lnRef idx="2">
+              <a:schemeClr val="accent1">
+                <a:shade val="50000"/>
+              </a:schemeClr>
+            </a:lnRef>
+            <a:fillRef idx="1">
+              <a:schemeClr val="accent1"/>
+            </a:fillRef>
+            <a:effectRef idx="0">
+              <a:schemeClr val="accent1"/>
+            </a:effectRef>
+            <a:fontRef idx="minor">
+              <a:schemeClr val="lt1"/>
+            </a:fontRef>
+          </p:style>
+          <p:txBody>
+            <a:bodyPr rtlCol="0" anchor="ctr"/>
+            <a:lstStyle/>
+            <a:p>
+              <a:pPr algn="ctr"/>
+              <a:r>
+                <a:rPr lang="zh-CN" altLang="en-US" sz="2400" b="1" dirty="0">
+                  <a:solidFill>
+                    <a:schemeClr val="tx1"/>
+                  </a:solidFill>
+                  <a:latin typeface="楷体" panose="02010609060101010101" pitchFamily="49" charset="-122"/>
+                  <a:ea typeface="楷体" panose="02010609060101010101" pitchFamily="49" charset="-122"/>
+                </a:rPr>
+                <a:t>包裹拒</a:t>
+              </a:r>
+              <a:r>
+                <a:rPr lang="zh-CN" altLang="en-US" sz="2400" b="1" dirty="0" smtClean="0">
+                  <a:solidFill>
+                    <a:schemeClr val="tx1"/>
+                  </a:solidFill>
+                  <a:latin typeface="楷体" panose="02010609060101010101" pitchFamily="49" charset="-122"/>
+                  <a:ea typeface="楷体" panose="02010609060101010101" pitchFamily="49" charset="-122"/>
+                </a:rPr>
+                <a:t>签</a:t>
+              </a:r>
+              <a:endParaRPr lang="zh-CN" altLang="en-US" sz="2400" b="1" dirty="0">
+                <a:solidFill>
+                  <a:schemeClr val="tx1"/>
+                </a:solidFill>
+                <a:latin typeface="楷体" panose="02010609060101010101" pitchFamily="49" charset="-122"/>
+                <a:ea typeface="楷体" panose="02010609060101010101" pitchFamily="49" charset="-122"/>
+              </a:endParaRPr>
+            </a:p>
+          </p:txBody>
+        </p:sp>
+        <p:sp>
+          <p:nvSpPr>
+            <p:cNvPr id="11" name="圆角矩形 10"/>
+            <p:cNvSpPr/>
+            <p:nvPr/>
+          </p:nvSpPr>
+          <p:spPr>
+            <a:xfrm>
+              <a:off x="3505200" y="5270500"/>
+              <a:ext cx="1714500" cy="863600"/>
+            </a:xfrm>
+            <a:prstGeom prst="roundRect">
+              <a:avLst/>
+            </a:prstGeom>
+          </p:spPr>
+          <p:style>
+            <a:lnRef idx="2">
+              <a:schemeClr val="accent1">
+                <a:shade val="50000"/>
+              </a:schemeClr>
+            </a:lnRef>
+            <a:fillRef idx="1">
+              <a:schemeClr val="accent1"/>
+            </a:fillRef>
+            <a:effectRef idx="0">
+              <a:schemeClr val="accent1"/>
+            </a:effectRef>
+            <a:fontRef idx="minor">
+              <a:schemeClr val="lt1"/>
+            </a:fontRef>
+          </p:style>
+          <p:txBody>
+            <a:bodyPr rtlCol="0" anchor="ctr"/>
+            <a:lstStyle/>
+            <a:p>
+              <a:pPr algn="ctr"/>
+              <a:r>
+                <a:rPr lang="zh-CN" altLang="en-US" sz="2400" b="1" dirty="0" smtClean="0">
+                  <a:solidFill>
+                    <a:schemeClr val="tx1"/>
+                  </a:solidFill>
+                  <a:latin typeface="楷体" panose="02010609060101010101" pitchFamily="49" charset="-122"/>
+                  <a:ea typeface="楷体" panose="02010609060101010101" pitchFamily="49" charset="-122"/>
+                </a:rPr>
+                <a:t>流程结束</a:t>
+              </a:r>
+              <a:endParaRPr lang="zh-CN" altLang="en-US" sz="2400" b="1" dirty="0">
+                <a:solidFill>
+                  <a:schemeClr val="tx1"/>
+                </a:solidFill>
+                <a:latin typeface="楷体" panose="02010609060101010101" pitchFamily="49" charset="-122"/>
+                <a:ea typeface="楷体" panose="02010609060101010101" pitchFamily="49" charset="-122"/>
+              </a:endParaRPr>
+            </a:p>
+          </p:txBody>
+        </p:sp>
+        <p:sp>
+          <p:nvSpPr>
+            <p:cNvPr id="12" name="圆角矩形 11"/>
+            <p:cNvSpPr/>
+            <p:nvPr/>
+          </p:nvSpPr>
+          <p:spPr>
+            <a:xfrm>
+              <a:off x="6273800" y="5270500"/>
+              <a:ext cx="1714500" cy="863600"/>
+            </a:xfrm>
+            <a:prstGeom prst="roundRect">
+              <a:avLst/>
+            </a:prstGeom>
+          </p:spPr>
+          <p:style>
+            <a:lnRef idx="2">
+              <a:schemeClr val="accent1">
+                <a:shade val="50000"/>
+              </a:schemeClr>
+            </a:lnRef>
+            <a:fillRef idx="1">
+              <a:schemeClr val="accent1"/>
+            </a:fillRef>
+            <a:effectRef idx="0">
+              <a:schemeClr val="accent1"/>
+            </a:effectRef>
+            <a:fontRef idx="minor">
+              <a:schemeClr val="lt1"/>
+            </a:fontRef>
+          </p:style>
+          <p:txBody>
+            <a:bodyPr rtlCol="0" anchor="ctr"/>
+            <a:lstStyle/>
+            <a:p>
+              <a:pPr algn="ctr"/>
+              <a:r>
+                <a:rPr lang="zh-CN" altLang="en-US" sz="2400" b="1" dirty="0">
+                  <a:solidFill>
+                    <a:schemeClr val="tx1"/>
+                  </a:solidFill>
+                  <a:latin typeface="楷体" panose="02010609060101010101" pitchFamily="49" charset="-122"/>
+                  <a:ea typeface="楷体" panose="02010609060101010101" pitchFamily="49" charset="-122"/>
+                </a:rPr>
+                <a:t>流程</a:t>
+              </a:r>
+              <a:r>
+                <a:rPr lang="zh-CN" altLang="en-US" sz="2400" b="1" dirty="0" smtClean="0">
+                  <a:solidFill>
+                    <a:schemeClr val="tx1"/>
+                  </a:solidFill>
+                  <a:latin typeface="楷体" panose="02010609060101010101" pitchFamily="49" charset="-122"/>
+                  <a:ea typeface="楷体" panose="02010609060101010101" pitchFamily="49" charset="-122"/>
+                </a:rPr>
+                <a:t>结束</a:t>
+              </a:r>
+              <a:endParaRPr lang="zh-CN" altLang="en-US" sz="2400" b="1" dirty="0">
+                <a:solidFill>
+                  <a:schemeClr val="tx1"/>
+                </a:solidFill>
+                <a:latin typeface="楷体" panose="02010609060101010101" pitchFamily="49" charset="-122"/>
+                <a:ea typeface="楷体" panose="02010609060101010101" pitchFamily="49" charset="-122"/>
+              </a:endParaRPr>
+            </a:p>
+          </p:txBody>
+        </p:sp>
+        <p:cxnSp>
+          <p:nvCxnSpPr>
+            <p:cNvPr id="13" name="直接箭头连接符 12"/>
+            <p:cNvCxnSpPr>
+              <a:stCxn id="5" idx="3"/>
+            </p:cNvCxnSpPr>
+            <p:nvPr/>
+          </p:nvCxnSpPr>
+          <p:spPr>
+            <a:xfrm>
+              <a:off x="2921000" y="1981200"/>
+              <a:ext cx="584200" cy="12700"/>
+            </a:xfrm>
+            <a:prstGeom prst="straightConnector1">
+              <a:avLst/>
+            </a:prstGeom>
+            <a:ln w="38100">
+              <a:tailEnd type="triangle"/>
+            </a:ln>
+          </p:spPr>
+          <p:style>
+            <a:lnRef idx="1">
+              <a:schemeClr val="accent1"/>
+            </a:lnRef>
+            <a:fillRef idx="0">
+              <a:schemeClr val="accent1"/>
+            </a:fillRef>
+            <a:effectRef idx="0">
+              <a:schemeClr val="accent1"/>
+            </a:effectRef>
+            <a:fontRef idx="minor">
+              <a:schemeClr val="tx1"/>
+            </a:fontRef>
+          </p:style>
+        </p:cxnSp>
+        <p:cxnSp>
+          <p:nvCxnSpPr>
+            <p:cNvPr id="14" name="直接箭头连接符 13"/>
+            <p:cNvCxnSpPr/>
+            <p:nvPr/>
+          </p:nvCxnSpPr>
+          <p:spPr>
+            <a:xfrm>
+              <a:off x="5600700" y="2070100"/>
+              <a:ext cx="584200" cy="12700"/>
+            </a:xfrm>
+            <a:prstGeom prst="straightConnector1">
+              <a:avLst/>
+            </a:prstGeom>
+            <a:ln w="38100">
+              <a:tailEnd type="triangle"/>
+            </a:ln>
+          </p:spPr>
+          <p:style>
+            <a:lnRef idx="1">
+              <a:schemeClr val="accent1"/>
+            </a:lnRef>
+            <a:fillRef idx="0">
+              <a:schemeClr val="accent1"/>
+            </a:fillRef>
+            <a:effectRef idx="0">
+              <a:schemeClr val="accent1"/>
+            </a:effectRef>
+            <a:fontRef idx="minor">
+              <a:schemeClr val="tx1"/>
+            </a:fontRef>
+          </p:style>
+        </p:cxnSp>
+        <p:cxnSp>
+          <p:nvCxnSpPr>
+            <p:cNvPr id="15" name="直接箭头连接符 14"/>
+            <p:cNvCxnSpPr/>
+            <p:nvPr/>
+          </p:nvCxnSpPr>
+          <p:spPr>
+            <a:xfrm>
+              <a:off x="7924800" y="2095500"/>
+              <a:ext cx="584200" cy="12700"/>
+            </a:xfrm>
+            <a:prstGeom prst="straightConnector1">
+              <a:avLst/>
+            </a:prstGeom>
+            <a:ln w="38100">
+              <a:tailEnd type="triangle"/>
+            </a:ln>
+          </p:spPr>
+          <p:style>
+            <a:lnRef idx="1">
+              <a:schemeClr val="accent1"/>
+            </a:lnRef>
+            <a:fillRef idx="0">
+              <a:schemeClr val="accent1"/>
+            </a:fillRef>
+            <a:effectRef idx="0">
+              <a:schemeClr val="accent1"/>
+            </a:effectRef>
+            <a:fontRef idx="minor">
+              <a:schemeClr val="tx1"/>
+            </a:fontRef>
+          </p:style>
+        </p:cxnSp>
+        <p:cxnSp>
+          <p:nvCxnSpPr>
+            <p:cNvPr id="16" name="直接箭头连接符 15"/>
+            <p:cNvCxnSpPr/>
+            <p:nvPr/>
+          </p:nvCxnSpPr>
+          <p:spPr>
+            <a:xfrm>
+              <a:off x="4508500" y="2628900"/>
+              <a:ext cx="12700" cy="698500"/>
+            </a:xfrm>
+            <a:prstGeom prst="straightConnector1">
+              <a:avLst/>
+            </a:prstGeom>
+            <a:ln w="38100">
+              <a:tailEnd type="triangle"/>
+            </a:ln>
+          </p:spPr>
+          <p:style>
+            <a:lnRef idx="1">
+              <a:schemeClr val="accent1"/>
+            </a:lnRef>
+            <a:fillRef idx="0">
+              <a:schemeClr val="accent1"/>
+            </a:fillRef>
+            <a:effectRef idx="0">
+              <a:schemeClr val="accent1"/>
+            </a:effectRef>
+            <a:fontRef idx="minor">
+              <a:schemeClr val="tx1"/>
+            </a:fontRef>
+          </p:style>
+        </p:cxnSp>
+        <p:cxnSp>
+          <p:nvCxnSpPr>
+            <p:cNvPr id="17" name="直接箭头连接符 16"/>
+            <p:cNvCxnSpPr/>
+            <p:nvPr/>
+          </p:nvCxnSpPr>
+          <p:spPr>
+            <a:xfrm>
+              <a:off x="4381500" y="4445000"/>
+              <a:ext cx="12700" cy="698500"/>
+            </a:xfrm>
+            <a:prstGeom prst="straightConnector1">
+              <a:avLst/>
+            </a:prstGeom>
+            <a:ln w="38100">
+              <a:tailEnd type="triangle"/>
+            </a:ln>
+          </p:spPr>
+          <p:style>
+            <a:lnRef idx="1">
+              <a:schemeClr val="accent1"/>
+            </a:lnRef>
+            <a:fillRef idx="0">
+              <a:schemeClr val="accent1"/>
+            </a:fillRef>
+            <a:effectRef idx="0">
+              <a:schemeClr val="accent1"/>
+            </a:effectRef>
+            <a:fontRef idx="minor">
+              <a:schemeClr val="tx1"/>
+            </a:fontRef>
+          </p:style>
+        </p:cxnSp>
+        <p:cxnSp>
+          <p:nvCxnSpPr>
+            <p:cNvPr id="18" name="直接箭头连接符 17"/>
+            <p:cNvCxnSpPr/>
+            <p:nvPr/>
+          </p:nvCxnSpPr>
+          <p:spPr>
+            <a:xfrm>
+              <a:off x="7150100" y="2628900"/>
+              <a:ext cx="12700" cy="698500"/>
+            </a:xfrm>
+            <a:prstGeom prst="straightConnector1">
+              <a:avLst/>
+            </a:prstGeom>
+            <a:ln w="38100">
+              <a:tailEnd type="triangle"/>
+            </a:ln>
+          </p:spPr>
+          <p:style>
+            <a:lnRef idx="1">
+              <a:schemeClr val="accent1"/>
+            </a:lnRef>
+            <a:fillRef idx="0">
+              <a:schemeClr val="accent1"/>
+            </a:fillRef>
+            <a:effectRef idx="0">
+              <a:schemeClr val="accent1"/>
+            </a:effectRef>
+            <a:fontRef idx="minor">
+              <a:schemeClr val="tx1"/>
+            </a:fontRef>
+          </p:style>
+        </p:cxnSp>
+        <p:cxnSp>
+          <p:nvCxnSpPr>
+            <p:cNvPr id="19" name="直接箭头连接符 18"/>
+            <p:cNvCxnSpPr/>
+            <p:nvPr/>
+          </p:nvCxnSpPr>
+          <p:spPr>
+            <a:xfrm>
+              <a:off x="7023100" y="4445000"/>
+              <a:ext cx="12700" cy="698500"/>
+            </a:xfrm>
+            <a:prstGeom prst="straightConnector1">
+              <a:avLst/>
+            </a:prstGeom>
+            <a:ln w="38100">
+              <a:tailEnd type="triangle"/>
+            </a:ln>
+          </p:spPr>
+          <p:style>
+            <a:lnRef idx="1">
+              <a:schemeClr val="accent1"/>
+            </a:lnRef>
+            <a:fillRef idx="0">
+              <a:schemeClr val="accent1"/>
+            </a:fillRef>
+            <a:effectRef idx="0">
+              <a:schemeClr val="accent1"/>
+            </a:effectRef>
+            <a:fontRef idx="minor">
+              <a:schemeClr val="tx1"/>
+            </a:fontRef>
+          </p:style>
+        </p:cxnSp>
+        <p:grpSp>
+          <p:nvGrpSpPr>
+            <p:cNvPr id="20" name="组合 19"/>
+            <p:cNvGrpSpPr/>
+            <p:nvPr/>
+          </p:nvGrpSpPr>
+          <p:grpSpPr>
+            <a:xfrm>
+              <a:off x="2984500" y="2019300"/>
+              <a:ext cx="5791200" cy="4610100"/>
+              <a:chOff x="2984500" y="2019300"/>
+              <a:chExt cx="5791200" cy="4610100"/>
+            </a:xfrm>
+          </p:grpSpPr>
+          <p:cxnSp>
+            <p:nvCxnSpPr>
+              <p:cNvPr id="21" name="直接连接符 20"/>
+              <p:cNvCxnSpPr/>
+              <p:nvPr/>
+            </p:nvCxnSpPr>
+            <p:spPr>
+              <a:xfrm>
+                <a:off x="7924800" y="3898900"/>
+                <a:ext cx="812800" cy="0"/>
+              </a:xfrm>
+              <a:prstGeom prst="line">
+                <a:avLst/>
+              </a:prstGeom>
+              <a:ln w="38100"/>
+            </p:spPr>
+            <p:style>
+              <a:lnRef idx="1">
+                <a:schemeClr val="accent1"/>
+              </a:lnRef>
+              <a:fillRef idx="0">
+                <a:schemeClr val="accent1"/>
+              </a:fillRef>
+              <a:effectRef idx="0">
+                <a:schemeClr val="accent1"/>
+              </a:effectRef>
+              <a:fontRef idx="minor">
+                <a:schemeClr val="tx1"/>
+              </a:fontRef>
+            </p:style>
+          </p:cxnSp>
+          <p:cxnSp>
+            <p:nvCxnSpPr>
+              <p:cNvPr id="22" name="直接连接符 21"/>
+              <p:cNvCxnSpPr/>
+              <p:nvPr/>
+            </p:nvCxnSpPr>
+            <p:spPr>
+              <a:xfrm>
+                <a:off x="8763000" y="3911600"/>
+                <a:ext cx="12700" cy="2717800"/>
+              </a:xfrm>
+              <a:prstGeom prst="line">
+                <a:avLst/>
+              </a:prstGeom>
+              <a:ln w="38100"/>
+            </p:spPr>
+            <p:style>
+              <a:lnRef idx="1">
+                <a:schemeClr val="accent1"/>
+              </a:lnRef>
+              <a:fillRef idx="0">
+                <a:schemeClr val="accent1"/>
+              </a:fillRef>
+              <a:effectRef idx="0">
+                <a:schemeClr val="accent1"/>
+              </a:effectRef>
+              <a:fontRef idx="minor">
+                <a:schemeClr val="tx1"/>
+              </a:fontRef>
+            </p:style>
+          </p:cxnSp>
+          <p:cxnSp>
+            <p:nvCxnSpPr>
+              <p:cNvPr id="23" name="直接连接符 22"/>
+              <p:cNvCxnSpPr/>
+              <p:nvPr/>
+            </p:nvCxnSpPr>
+            <p:spPr>
+              <a:xfrm flipH="1" flipV="1">
+                <a:off x="2984500" y="6502400"/>
+                <a:ext cx="5791200" cy="88900"/>
+              </a:xfrm>
+              <a:prstGeom prst="line">
+                <a:avLst/>
+              </a:prstGeom>
+              <a:ln w="38100"/>
+            </p:spPr>
+            <p:style>
+              <a:lnRef idx="1">
+                <a:schemeClr val="accent1"/>
+              </a:lnRef>
+              <a:fillRef idx="0">
+                <a:schemeClr val="accent1"/>
+              </a:fillRef>
+              <a:effectRef idx="0">
+                <a:schemeClr val="accent1"/>
+              </a:effectRef>
+              <a:fontRef idx="minor">
+                <a:schemeClr val="tx1"/>
+              </a:fontRef>
+            </p:style>
+          </p:cxnSp>
+          <p:cxnSp>
+            <p:nvCxnSpPr>
+              <p:cNvPr id="24" name="直接箭头连接符 23"/>
+              <p:cNvCxnSpPr/>
+              <p:nvPr/>
+            </p:nvCxnSpPr>
+            <p:spPr>
+              <a:xfrm flipV="1">
+                <a:off x="2997200" y="2019300"/>
+                <a:ext cx="38100" cy="4508500"/>
+              </a:xfrm>
+              <a:prstGeom prst="straightConnector1">
+                <a:avLst/>
+              </a:prstGeom>
+              <a:ln w="38100">
+                <a:tailEnd type="triangle"/>
+              </a:ln>
+            </p:spPr>
+            <p:style>
+              <a:lnRef idx="1">
+                <a:schemeClr val="accent1"/>
+              </a:lnRef>
+              <a:fillRef idx="0">
+                <a:schemeClr val="accent1"/>
+              </a:fillRef>
+              <a:effectRef idx="0">
+                <a:schemeClr val="accent1"/>
+              </a:effectRef>
+              <a:fontRef idx="minor">
+                <a:schemeClr val="tx1"/>
+              </a:fontRef>
+            </p:style>
+          </p:cxnSp>
+        </p:grpSp>
+      </p:grpSp>
     </p:spTree>
     <p:extLst>
       <p:ext uri="{BB962C8B-B14F-4D97-AF65-F5344CB8AC3E}">
@@ -4116,7 +5595,83 @@
   <p:timing>
     <p:tnLst>
       <p:par>
-        <p:cTn id="1" dur="indefinite" restart="never" nodeType="tmRoot"/>
+        <p:cTn id="1" dur="indefinite" restart="never" nodeType="tmRoot">
+          <p:childTnLst>
+            <p:seq concurrent="1" nextAc="seek">
+              <p:cTn id="2" dur="indefinite" nodeType="mainSeq">
+                <p:childTnLst>
+                  <p:par>
+                    <p:cTn id="3" fill="hold">
+                      <p:stCondLst>
+                        <p:cond delay="indefinite"/>
+                      </p:stCondLst>
+                      <p:childTnLst>
+                        <p:par>
+                          <p:cTn id="4" fill="hold">
+                            <p:stCondLst>
+                              <p:cond delay="0"/>
+                            </p:stCondLst>
+                            <p:childTnLst>
+                              <p:par>
+                                <p:cTn id="5" presetID="22" presetClass="entr" presetSubtype="8" fill="hold" nodeType="clickEffect">
+                                  <p:stCondLst>
+                                    <p:cond delay="0"/>
+                                  </p:stCondLst>
+                                  <p:childTnLst>
+                                    <p:set>
+                                      <p:cBhvr>
+                                        <p:cTn id="6" dur="1" fill="hold">
+                                          <p:stCondLst>
+                                            <p:cond delay="0"/>
+                                          </p:stCondLst>
+                                        </p:cTn>
+                                        <p:tgtEl>
+                                          <p:spTgt spid="4"/>
+                                        </p:tgtEl>
+                                        <p:attrNameLst>
+                                          <p:attrName>style.visibility</p:attrName>
+                                        </p:attrNameLst>
+                                      </p:cBhvr>
+                                      <p:to>
+                                        <p:strVal val="visible"/>
+                                      </p:to>
+                                    </p:set>
+                                    <p:animEffect transition="in" filter="wipe(left)">
+                                      <p:cBhvr>
+                                        <p:cTn id="7" dur="500"/>
+                                        <p:tgtEl>
+                                          <p:spTgt spid="4"/>
+                                        </p:tgtEl>
+                                      </p:cBhvr>
+                                    </p:animEffect>
+                                  </p:childTnLst>
+                                </p:cTn>
+                              </p:par>
+                            </p:childTnLst>
+                          </p:cTn>
+                        </p:par>
+                      </p:childTnLst>
+                    </p:cTn>
+                  </p:par>
+                </p:childTnLst>
+              </p:cTn>
+              <p:prevCondLst>
+                <p:cond evt="onPrev" delay="0">
+                  <p:tgtEl>
+                    <p:sldTgt/>
+                  </p:tgtEl>
+                </p:cond>
+              </p:prevCondLst>
+              <p:nextCondLst>
+                <p:cond evt="onNext" delay="0">
+                  <p:tgtEl>
+                    <p:sldTgt/>
+                  </p:tgtEl>
+                </p:cond>
+              </p:nextCondLst>
+            </p:seq>
+          </p:childTnLst>
+        </p:cTn>
       </p:par>
     </p:tnLst>
   </p:timing>
@@ -4156,10 +5711,9 @@
           <a:lstStyle/>
           <a:p>
             <a:r>
-              <a:rPr lang="zh-CN" altLang="en-US" dirty="0" smtClean="0"/>
-              <a:t>快递测试法的使用</a:t>
-            </a:r>
-            <a:endParaRPr lang="zh-CN" altLang="en-US" dirty="0"/>
+              <a:rPr lang="zh-CN" altLang="en-US" dirty="0"/>
+              <a:t>快递测试法概述</a:t>
+            </a:r>
           </a:p>
         </p:txBody>
       </p:sp>
@@ -4179,41 +5733,111 @@
           <a:lstStyle/>
           <a:p>
             <a:r>
-              <a:rPr lang="zh-CN" altLang="en-US" dirty="0" smtClean="0"/>
-              <a:t>使用快递测试法，测试人员应该更专注于数据</a:t>
-            </a:r>
-            <a:endParaRPr lang="en-US" altLang="zh-CN" dirty="0" smtClean="0"/>
+              <a:rPr lang="zh-CN" altLang="en-US" dirty="0"/>
+              <a:t>快递测试法</a:t>
+            </a:r>
+            <a:endParaRPr lang="en-US" altLang="zh-CN" dirty="0"/>
           </a:p>
           <a:p>
             <a:pPr lvl="1"/>
             <a:r>
-              <a:rPr lang="zh-CN" altLang="en-US" dirty="0" smtClean="0"/>
-              <a:t>确认哪些被存储起来的输入数据并“跟随”它们走遍软件</a:t>
-            </a:r>
-            <a:endParaRPr lang="en-US" altLang="zh-CN" dirty="0" smtClean="0"/>
-          </a:p>
-          <a:p>
-            <a:pPr lvl="1"/>
-            <a:r>
-              <a:rPr lang="zh-CN" altLang="en-US" dirty="0" smtClean="0"/>
-              <a:t>在购物网站输入一个地址后，它会显示在哪里</a:t>
-            </a:r>
-            <a:endParaRPr lang="en-US" altLang="zh-CN" dirty="0" smtClean="0"/>
-          </a:p>
-          <a:p>
-            <a:pPr lvl="1"/>
-            <a:r>
-              <a:rPr lang="zh-CN" altLang="en-US" dirty="0" smtClean="0"/>
-              <a:t>哪些特性会用到该地址</a:t>
-            </a:r>
-            <a:endParaRPr lang="en-US" altLang="zh-CN" dirty="0" smtClean="0"/>
+              <a:rPr lang="zh-CN" altLang="en-US" dirty="0"/>
+              <a:t>将数据看做</a:t>
+            </a:r>
+            <a:r>
+              <a:rPr lang="zh-CN" altLang="en-US" dirty="0">
+                <a:solidFill>
+                  <a:srgbClr val="FF0000"/>
+                </a:solidFill>
+              </a:rPr>
+              <a:t>包裹</a:t>
+            </a:r>
+            <a:r>
+              <a:rPr lang="zh-CN" altLang="en-US" dirty="0"/>
+              <a:t>，在软件中不断流动，数据从被输入后就开始它的生命周期，先被存储在</a:t>
+            </a:r>
+            <a:r>
+              <a:rPr lang="zh-CN" altLang="en-US" dirty="0">
+                <a:solidFill>
+                  <a:srgbClr val="FF0000"/>
+                </a:solidFill>
+              </a:rPr>
+              <a:t>内部变量</a:t>
+            </a:r>
+            <a:r>
+              <a:rPr lang="zh-CN" altLang="en-US" dirty="0"/>
+              <a:t>和</a:t>
+            </a:r>
+            <a:r>
+              <a:rPr lang="zh-CN" altLang="en-US" dirty="0">
+                <a:solidFill>
+                  <a:srgbClr val="FF0000"/>
+                </a:solidFill>
+              </a:rPr>
+              <a:t>数据结构</a:t>
+            </a:r>
+            <a:r>
+              <a:rPr lang="zh-CN" altLang="en-US" dirty="0"/>
+              <a:t>中，然后在计算中被频繁</a:t>
+            </a:r>
+            <a:r>
+              <a:rPr lang="zh-CN" altLang="en-US" dirty="0">
+                <a:solidFill>
+                  <a:srgbClr val="FF0000"/>
+                </a:solidFill>
+              </a:rPr>
+              <a:t>操作</a:t>
+            </a:r>
+            <a:r>
+              <a:rPr lang="zh-CN" altLang="en-US" dirty="0"/>
+              <a:t>、</a:t>
+            </a:r>
+            <a:r>
+              <a:rPr lang="zh-CN" altLang="en-US" dirty="0">
+                <a:solidFill>
+                  <a:srgbClr val="FF0000"/>
+                </a:solidFill>
+              </a:rPr>
+              <a:t>修改</a:t>
+            </a:r>
+            <a:r>
+              <a:rPr lang="zh-CN" altLang="en-US" dirty="0"/>
+              <a:t>和</a:t>
+            </a:r>
+            <a:r>
+              <a:rPr lang="zh-CN" altLang="en-US" dirty="0">
+                <a:solidFill>
+                  <a:srgbClr val="FF0000"/>
+                </a:solidFill>
+              </a:rPr>
+              <a:t>使用</a:t>
+            </a:r>
+            <a:r>
+              <a:rPr lang="zh-CN" altLang="en-US" dirty="0"/>
+              <a:t>，最后，这个数据作为</a:t>
+            </a:r>
+            <a:r>
+              <a:rPr lang="zh-CN" altLang="en-US" dirty="0">
+                <a:solidFill>
+                  <a:srgbClr val="FF0000"/>
+                </a:solidFill>
+              </a:rPr>
+              <a:t>输出</a:t>
+            </a:r>
+            <a:r>
+              <a:rPr lang="zh-CN" altLang="en-US" dirty="0"/>
+              <a:t>被“递送”给用户或目的地</a:t>
+            </a:r>
+          </a:p>
+          <a:p>
+            <a:endParaRPr lang="zh-CN" altLang="en-US" dirty="0"/>
           </a:p>
         </p:txBody>
       </p:sp>
     </p:spTree>
     <p:extLst>
       <p:ext uri="{BB962C8B-B14F-4D97-AF65-F5344CB8AC3E}">
-        <p14:creationId xmlns:p14="http://schemas.microsoft.com/office/powerpoint/2010/main" val="3998338960"/>
+        <p14:creationId xmlns:p14="http://schemas.microsoft.com/office/powerpoint/2010/main" val="4240879676"/>
       </p:ext>
     </p:extLst>
   </p:cSld>
@@ -4264,7 +5888,15 @@
           <a:p>
             <a:r>
               <a:rPr lang="zh-CN" altLang="en-US" dirty="0" smtClean="0"/>
-              <a:t>快递测试法使用举例</a:t>
+              <a:t>什么场景使用</a:t>
+            </a:r>
+            <a:r>
+              <a:rPr lang="zh-CN" altLang="en-US" dirty="0"/>
+              <a:t>快递测试</a:t>
+            </a:r>
+            <a:r>
+              <a:rPr lang="zh-CN" altLang="en-US" dirty="0" smtClean="0"/>
+              <a:t>法</a:t>
             </a:r>
             <a:endParaRPr lang="zh-CN" altLang="en-US" dirty="0"/>
           </a:p>
@@ -4287,40 +5919,62 @@
           <a:p>
             <a:r>
               <a:rPr lang="zh-CN" altLang="en-US" dirty="0" smtClean="0"/>
-              <a:t>禅道中测试版本、测试计划、测试用例管理</a:t>
+              <a:t>　使用场景：</a:t>
+            </a:r>
+            <a:r>
+              <a:rPr lang="zh-CN" altLang="en-US" dirty="0" smtClean="0">
+                <a:solidFill>
+                  <a:srgbClr val="FF0000"/>
+                </a:solidFill>
+              </a:rPr>
+              <a:t>数据传递路径多、复杂，数据被频繁</a:t>
+            </a:r>
+            <a:r>
+              <a:rPr lang="zh-CN" altLang="en-US" dirty="0" smtClean="0">
+                <a:solidFill>
+                  <a:srgbClr val="FF0000"/>
+                </a:solidFill>
+              </a:rPr>
+              <a:t>使用</a:t>
+            </a:r>
+            <a:r>
+              <a:rPr lang="zh-CN" altLang="en-US" dirty="0" smtClean="0"/>
+              <a:t>时</a:t>
             </a:r>
             <a:endParaRPr lang="en-US" altLang="zh-CN" dirty="0" smtClean="0"/>
           </a:p>
           <a:p>
-            <a:pPr lvl="1"/>
             <a:r>
               <a:rPr lang="zh-CN" altLang="en-US" dirty="0" smtClean="0"/>
-              <a:t>测试版本</a:t>
+              <a:t>　例如</a:t>
             </a:r>
             <a:r>
               <a:rPr lang="en-US" altLang="zh-CN" dirty="0" smtClean="0"/>
-              <a:t>V1.0.1</a:t>
+              <a:t>1</a:t>
             </a:r>
             <a:r>
               <a:rPr lang="zh-CN" altLang="en-US" dirty="0" smtClean="0"/>
-              <a:t>关联了相应的测试用例，如果将该版本删除，测试用例是否会受影响？</a:t>
-            </a:r>
-            <a:endParaRPr lang="en-US" altLang="zh-CN" dirty="0" smtClean="0"/>
-          </a:p>
-          <a:p>
-            <a:pPr lvl="1"/>
+              <a:t>：垃圾清理功能（数据的获取、保存、更新、删除、新增）</a:t>
+            </a:r>
+          </a:p>
+          <a:p>
+            <a:pPr marL="457200" lvl="1" indent="0">
+              <a:buNone/>
+            </a:pPr>
             <a:r>
               <a:rPr lang="zh-CN" altLang="en-US" dirty="0" smtClean="0"/>
-              <a:t>修改关联过多个版本的测试用例，在每个版本下打开是否是修改后的，还是需要手动刷新才能修改？</a:t>
-            </a:r>
-            <a:endParaRPr lang="en-US" altLang="zh-CN" dirty="0" smtClean="0"/>
-          </a:p>
-          <a:p>
-            <a:pPr lvl="1"/>
+              <a:t>　例如</a:t>
+            </a:r>
+            <a:r>
+              <a:rPr lang="en-US" altLang="zh-CN" dirty="0" smtClean="0"/>
+              <a:t>2</a:t>
+            </a:r>
             <a:r>
               <a:rPr lang="zh-CN" altLang="en-US" dirty="0" smtClean="0"/>
-              <a:t>缺陷关联到某个用例，用例删除后，缺陷会有什么变化？</a:t>
-            </a:r>
+              <a:t>：购物网站中联系人地址、电话号码的保存、展示功能</a:t>
+            </a:r>
+          </a:p>
+          <a:p>
             <a:endParaRPr lang="zh-CN" altLang="en-US" dirty="0"/>
           </a:p>
         </p:txBody>
@@ -4328,7 +5982,7 @@
     </p:spTree>
     <p:extLst>
       <p:ext uri="{BB962C8B-B14F-4D97-AF65-F5344CB8AC3E}">
-        <p14:creationId xmlns:p14="http://schemas.microsoft.com/office/powerpoint/2010/main" val="4247099253"/>
+        <p14:creationId xmlns:p14="http://schemas.microsoft.com/office/powerpoint/2010/main" val="2305881063"/>
       </p:ext>
     </p:extLst>
   </p:cSld>
@@ -4338,7 +5992,339 @@
   <p:timing>
     <p:tnLst>
       <p:par>
-        <p:cTn id="1" dur="indefinite" restart="never" nodeType="tmRoot"/>
+        <p:cTn id="1" dur="indefinite" restart="never" nodeType="tmRoot">
+          <p:childTnLst>
+            <p:seq concurrent="1" nextAc="seek">
+              <p:cTn id="2" dur="indefinite" nodeType="mainSeq">
+                <p:childTnLst>
+                  <p:par>
+                    <p:cTn id="3" fill="hold">
+                      <p:stCondLst>
+                        <p:cond delay="indefinite"/>
+                      </p:stCondLst>
+                      <p:childTnLst>
+                        <p:par>
+                          <p:cTn id="4" fill="hold">
+                            <p:stCondLst>
+                              <p:cond delay="0"/>
+                            </p:stCondLst>
+                            <p:childTnLst>
+                              <p:par>
+                                <p:cTn id="5" presetID="2" presetClass="entr" presetSubtype="4" fill="hold" nodeType="clickEffect">
+                                  <p:stCondLst>
+                                    <p:cond delay="0"/>
+                                  </p:stCondLst>
+                                  <p:childTnLst>
+                                    <p:set>
+                                      <p:cBhvr>
+                                        <p:cTn id="6" dur="1" fill="hold">
+                                          <p:stCondLst>
+                                            <p:cond delay="0"/>
+                                          </p:stCondLst>
+                                        </p:cTn>
+                                        <p:tgtEl>
+                                          <p:spTgt spid="3">
+                                            <p:txEl>
+                                              <p:pRg st="0" end="0"/>
+                                            </p:txEl>
+                                          </p:spTgt>
+                                        </p:tgtEl>
+                                        <p:attrNameLst>
+                                          <p:attrName>style.visibility</p:attrName>
+                                        </p:attrNameLst>
+                                      </p:cBhvr>
+                                      <p:to>
+                                        <p:strVal val="visible"/>
+                                      </p:to>
+                                    </p:set>
+                                    <p:anim calcmode="lin" valueType="num">
+                                      <p:cBhvr additive="base">
+                                        <p:cTn id="7" dur="500" fill="hold"/>
+                                        <p:tgtEl>
+                                          <p:spTgt spid="3">
+                                            <p:txEl>
+                                              <p:pRg st="0" end="0"/>
+                                            </p:txEl>
+                                          </p:spTgt>
+                                        </p:tgtEl>
+                                        <p:attrNameLst>
+                                          <p:attrName>ppt_x</p:attrName>
+                                        </p:attrNameLst>
+                                      </p:cBhvr>
+                                      <p:tavLst>
+                                        <p:tav tm="0">
+                                          <p:val>
+                                            <p:strVal val="#ppt_x"/>
+                                          </p:val>
+                                        </p:tav>
+                                        <p:tav tm="100000">
+                                          <p:val>
+                                            <p:strVal val="#ppt_x"/>
+                                          </p:val>
+                                        </p:tav>
+                                      </p:tavLst>
+                                    </p:anim>
+                                    <p:anim calcmode="lin" valueType="num">
+                                      <p:cBhvr additive="base">
+                                        <p:cTn id="8" dur="500" fill="hold"/>
+                                        <p:tgtEl>
+                                          <p:spTgt spid="3">
+                                            <p:txEl>
+                                              <p:pRg st="0" end="0"/>
+                                            </p:txEl>
+                                          </p:spTgt>
+                                        </p:tgtEl>
+                                        <p:attrNameLst>
+                                          <p:attrName>ppt_y</p:attrName>
+                                        </p:attrNameLst>
+                                      </p:cBhvr>
+                                      <p:tavLst>
+                                        <p:tav tm="0">
+                                          <p:val>
+                                            <p:strVal val="1+#ppt_h/2"/>
+                                          </p:val>
+                                        </p:tav>
+                                        <p:tav tm="100000">
+                                          <p:val>
+                                            <p:strVal val="#ppt_y"/>
+                                          </p:val>
+                                        </p:tav>
+                                      </p:tavLst>
+                                    </p:anim>
+                                  </p:childTnLst>
+                                </p:cTn>
+                              </p:par>
+                            </p:childTnLst>
+                          </p:cTn>
+                        </p:par>
+                      </p:childTnLst>
+                    </p:cTn>
+                  </p:par>
+                  <p:par>
+                    <p:cTn id="9" fill="hold">
+                      <p:stCondLst>
+                        <p:cond delay="indefinite"/>
+                      </p:stCondLst>
+                      <p:childTnLst>
+                        <p:par>
+                          <p:cTn id="10" fill="hold">
+                            <p:stCondLst>
+                              <p:cond delay="0"/>
+                            </p:stCondLst>
+                            <p:childTnLst>
+                              <p:par>
+                                <p:cTn id="11" presetID="2" presetClass="entr" presetSubtype="4" fill="hold" nodeType="clickEffect">
+                                  <p:stCondLst>
+                                    <p:cond delay="0"/>
+                                  </p:stCondLst>
+                                  <p:childTnLst>
+                                    <p:set>
+                                      <p:cBhvr>
+                                        <p:cTn id="12" dur="1" fill="hold">
+                                          <p:stCondLst>
+                                            <p:cond delay="0"/>
+                                          </p:stCondLst>
+                                        </p:cTn>
+                                        <p:tgtEl>
+                                          <p:spTgt spid="3">
+                                            <p:txEl>
+                                              <p:pRg st="1" end="1"/>
+                                            </p:txEl>
+                                          </p:spTgt>
+                                        </p:tgtEl>
+                                        <p:attrNameLst>
+                                          <p:attrName>style.visibility</p:attrName>
+                                        </p:attrNameLst>
+                                      </p:cBhvr>
+                                      <p:to>
+                                        <p:strVal val="visible"/>
+                                      </p:to>
+                                    </p:set>
+                                    <p:anim calcmode="lin" valueType="num">
+                                      <p:cBhvr additive="base">
+                                        <p:cTn id="13" dur="500" fill="hold"/>
+                                        <p:tgtEl>
+                                          <p:spTgt spid="3">
+                                            <p:txEl>
+                                              <p:pRg st="1" end="1"/>
+                                            </p:txEl>
+                                          </p:spTgt>
+                                        </p:tgtEl>
+                                        <p:attrNameLst>
+                                          <p:attrName>ppt_x</p:attrName>
+                                        </p:attrNameLst>
+                                      </p:cBhvr>
+                                      <p:tavLst>
+                                        <p:tav tm="0">
+                                          <p:val>
+                                            <p:strVal val="#ppt_x"/>
+                                          </p:val>
+                                        </p:tav>
+                                        <p:tav tm="100000">
+                                          <p:val>
+                                            <p:strVal val="#ppt_x"/>
+                                          </p:val>
+                                        </p:tav>
+                                      </p:tavLst>
+                                    </p:anim>
+                                    <p:anim calcmode="lin" valueType="num">
+                                      <p:cBhvr additive="base">
+                                        <p:cTn id="14" dur="500" fill="hold"/>
+                                        <p:tgtEl>
+                                          <p:spTgt spid="3">
+                                            <p:txEl>
+                                              <p:pRg st="1" end="1"/>
+                                            </p:txEl>
+                                          </p:spTgt>
+                                        </p:tgtEl>
+                                        <p:attrNameLst>
+                                          <p:attrName>ppt_y</p:attrName>
+                                        </p:attrNameLst>
+                                      </p:cBhvr>
+                                      <p:tavLst>
+                                        <p:tav tm="0">
+                                          <p:val>
+                                            <p:strVal val="1+#ppt_h/2"/>
+                                          </p:val>
+                                        </p:tav>
+                                        <p:tav tm="100000">
+                                          <p:val>
+                                            <p:strVal val="#ppt_y"/>
+                                          </p:val>
+                                        </p:tav>
+                                      </p:tavLst>
+                                    </p:anim>
+                                  </p:childTnLst>
+                                </p:cTn>
+                              </p:par>
+                            </p:childTnLst>
+                          </p:cTn>
+                        </p:par>
+                      </p:childTnLst>
+                    </p:cTn>
+                  </p:par>
+                  <p:par>
+                    <p:cTn id="15" fill="hold">
+                      <p:stCondLst>
+                        <p:cond delay="indefinite"/>
+                      </p:stCondLst>
+                      <p:childTnLst>
+                        <p:par>
+                          <p:cTn id="16" fill="hold">
+                            <p:stCondLst>
+                              <p:cond delay="0"/>
+                            </p:stCondLst>
+                            <p:childTnLst>
+                              <p:par>
+                                <p:cTn id="17" presetID="2" presetClass="entr" presetSubtype="4" fill="hold" nodeType="clickEffect">
+                                  <p:stCondLst>
+                                    <p:cond delay="0"/>
+                                  </p:stCondLst>
+                                  <p:childTnLst>
+                                    <p:set>
+                                      <p:cBhvr>
+                                        <p:cTn id="18" dur="1" fill="hold">
+                                          <p:stCondLst>
+                                            <p:cond delay="0"/>
+                                          </p:stCondLst>
+                                        </p:cTn>
+                                        <p:tgtEl>
+                                          <p:spTgt spid="3">
+                                            <p:txEl>
+                                              <p:pRg st="2" end="2"/>
+                                            </p:txEl>
+                                          </p:spTgt>
+                                        </p:tgtEl>
+                                        <p:attrNameLst>
+                                          <p:attrName>style.visibility</p:attrName>
+                                        </p:attrNameLst>
+                                      </p:cBhvr>
+                                      <p:to>
+                                        <p:strVal val="visible"/>
+                                      </p:to>
+                                    </p:set>
+                                    <p:anim calcmode="lin" valueType="num">
+                                      <p:cBhvr additive="base">
+                                        <p:cTn id="19" dur="500" fill="hold"/>
+                                        <p:tgtEl>
+                                          <p:spTgt spid="3">
+                                            <p:txEl>
+                                              <p:pRg st="2" end="2"/>
+                                            </p:txEl>
+                                          </p:spTgt>
+                                        </p:tgtEl>
+                                        <p:attrNameLst>
+                                          <p:attrName>ppt_x</p:attrName>
+                                        </p:attrNameLst>
+                                      </p:cBhvr>
+                                      <p:tavLst>
+                                        <p:tav tm="0">
+                                          <p:val>
+                                            <p:strVal val="#ppt_x"/>
+                                          </p:val>
+                                        </p:tav>
+                                        <p:tav tm="100000">
+                                          <p:val>
+                                            <p:strVal val="#ppt_x"/>
+                                          </p:val>
+                                        </p:tav>
+                                      </p:tavLst>
+                                    </p:anim>
+                                    <p:anim calcmode="lin" valueType="num">
+                                      <p:cBhvr additive="base">
+                                        <p:cTn id="20" dur="500" fill="hold"/>
+                                        <p:tgtEl>
+                                          <p:spTgt spid="3">
+                                            <p:txEl>
+                                              <p:pRg st="2" end="2"/>
+                                            </p:txEl>
+                                          </p:spTgt>
+                                        </p:tgtEl>
+                                        <p:attrNameLst>
+                                          <p:attrName>ppt_y</p:attrName>
+                                        </p:attrNameLst>
+                                      </p:cBhvr>
+                                      <p:tavLst>
+                                        <p:tav tm="0">
+                                          <p:val>
+                                            <p:strVal val="1+#ppt_h/2"/>
+                                          </p:val>
+                                        </p:tav>
+                                        <p:tav tm="100000">
+                                          <p:val>
+                                            <p:strVal val="#ppt_y"/>
+                                          </p:val>
+                                        </p:tav>
+                                      </p:tavLst>
+                                    </p:anim>
+                                  </p:childTnLst>
+                                </p:cTn>
+                              </p:par>
+                            </p:childTnLst>
+                          </p:cTn>
+                        </p:par>
+                      </p:childTnLst>
+                    </p:cTn>
+                  </p:par>
+                </p:childTnLst>
+              </p:cTn>
+              <p:prevCondLst>
+                <p:cond evt="onPrev" delay="0">
+                  <p:tgtEl>
+                    <p:sldTgt/>
+                  </p:tgtEl>
+                </p:cond>
+              </p:prevCondLst>
+              <p:nextCondLst>
+                <p:cond evt="onNext" delay="0">
+                  <p:tgtEl>
+                    <p:sldTgt/>
+                  </p:tgtEl>
+                </p:cond>
+              </p:nextCondLst>
+            </p:seq>
+          </p:childTnLst>
+        </p:cTn>
       </p:par>
     </p:tnLst>
   </p:timing>
@@ -4379,7 +6365,7 @@
           <a:p>
             <a:r>
               <a:rPr lang="zh-CN" altLang="en-US" dirty="0" smtClean="0"/>
-              <a:t>总结</a:t>
+              <a:t>快递测试法的使用</a:t>
             </a:r>
             <a:endParaRPr lang="zh-CN" altLang="en-US" dirty="0"/>
           </a:p>
@@ -4402,30 +6388,24 @@
           <a:p>
             <a:r>
               <a:rPr lang="zh-CN" altLang="en-US" dirty="0" smtClean="0"/>
-              <a:t>快递测试法概述</a:t>
+              <a:t>使用快递测试法，测试人员应该更专注于数据</a:t>
             </a:r>
             <a:endParaRPr lang="en-US" altLang="zh-CN" dirty="0" smtClean="0"/>
           </a:p>
           <a:p>
+            <a:pPr lvl="1"/>
             <a:r>
               <a:rPr lang="zh-CN" altLang="en-US" dirty="0" smtClean="0"/>
-              <a:t>快递测试法的使用和举例</a:t>
+              <a:t>确认哪些被存储起来的输入数据并“跟随”它们走遍软件</a:t>
             </a:r>
             <a:endParaRPr lang="en-US" altLang="zh-CN" dirty="0" smtClean="0"/>
-          </a:p>
-          <a:p>
-            <a:r>
-              <a:rPr lang="zh-CN" altLang="en-US" dirty="0" smtClean="0"/>
-              <a:t>快递测试法重点关注的内容</a:t>
-            </a:r>
-            <a:endParaRPr lang="zh-CN" altLang="en-US" dirty="0"/>
           </a:p>
         </p:txBody>
       </p:sp>
     </p:spTree>
     <p:extLst>
       <p:ext uri="{BB962C8B-B14F-4D97-AF65-F5344CB8AC3E}">
-        <p14:creationId xmlns:p14="http://schemas.microsoft.com/office/powerpoint/2010/main" val="1074784397"/>
+        <p14:creationId xmlns:p14="http://schemas.microsoft.com/office/powerpoint/2010/main" val="3998338960"/>
       </p:ext>
     </p:extLst>
   </p:cSld>
@@ -4476,7 +6456,7 @@
           <a:p>
             <a:r>
               <a:rPr lang="zh-CN" altLang="en-US" dirty="0" smtClean="0"/>
-              <a:t>练习</a:t>
+              <a:t>测试思路</a:t>
             </a:r>
             <a:endParaRPr lang="zh-CN" altLang="en-US" dirty="0"/>
           </a:p>
@@ -4494,63 +6474,122 @@
         </p:nvSpPr>
         <p:spPr>
           <a:xfrm>
-            <a:off x="812800" y="1050924"/>
-            <a:ext cx="10515600" cy="4930775"/>
+            <a:off x="850900" y="1089024"/>
+            <a:ext cx="10909300" cy="5476876"/>
           </a:xfrm>
         </p:spPr>
         <p:txBody>
-          <a:bodyPr/>
+          <a:bodyPr>
+            <a:normAutofit fontScale="92500" lnSpcReduction="20000"/>
+          </a:bodyPr>
           <a:lstStyle/>
           <a:p>
             <a:r>
               <a:rPr lang="zh-CN" altLang="en-US" dirty="0" smtClean="0"/>
-              <a:t>雪梨判作业流程，作业由待审核</a:t>
+              <a:t>首先，梳理该数据所有传输的路径，画出流程图</a:t>
+            </a:r>
+          </a:p>
+          <a:p>
+            <a:r>
+              <a:rPr lang="zh-CN" altLang="en-US" dirty="0" smtClean="0"/>
+              <a:t>然后，考虑数据在正常流程、异常流程下的展示，比如：</a:t>
+            </a:r>
+          </a:p>
+          <a:p>
+            <a:pPr marL="0" indent="0">
+              <a:buNone/>
+            </a:pPr>
+            <a:r>
+              <a:rPr lang="zh-CN" altLang="en-US" dirty="0" smtClean="0"/>
+              <a:t>　　</a:t>
             </a:r>
             <a:r>
               <a:rPr lang="en-US" altLang="zh-CN" dirty="0" smtClean="0"/>
-              <a:t>—</a:t>
+              <a:t>1. </a:t>
             </a:r>
             <a:r>
               <a:rPr lang="zh-CN" altLang="en-US" dirty="0" smtClean="0"/>
-              <a:t>已审核</a:t>
+              <a:t>正常流程下，检查数据输入后各路径下的数据展示和应用正确</a:t>
+            </a:r>
+          </a:p>
+          <a:p>
+            <a:pPr marL="0" indent="0">
+              <a:buNone/>
+            </a:pPr>
+            <a:r>
+              <a:rPr lang="zh-CN" altLang="en-US" dirty="0" smtClean="0"/>
+              <a:t>　　</a:t>
             </a:r>
             <a:r>
               <a:rPr lang="en-US" altLang="zh-CN" dirty="0" smtClean="0"/>
-              <a:t>—</a:t>
+              <a:t>2. </a:t>
             </a:r>
             <a:r>
               <a:rPr lang="zh-CN" altLang="en-US" dirty="0" smtClean="0"/>
-              <a:t>已完成</a:t>
-            </a:r>
-            <a:endParaRPr lang="en-US" altLang="zh-CN" dirty="0" smtClean="0"/>
-          </a:p>
-          <a:p>
+              <a:t>在每个流程下，进行数据的增、删、改，检查</a:t>
+            </a:r>
+            <a:r>
+              <a:rPr lang="zh-CN" altLang="en-US" dirty="0" smtClean="0">
+                <a:solidFill>
+                  <a:srgbClr val="FF0000"/>
+                </a:solidFill>
+              </a:rPr>
+              <a:t>其他路径下数据展示和应用正确</a:t>
+            </a:r>
+          </a:p>
+          <a:p>
+            <a:pPr marL="0" indent="0">
+              <a:buNone/>
+            </a:pPr>
             <a:r>
               <a:rPr lang="zh-CN" altLang="en-US" dirty="0" smtClean="0"/>
-              <a:t>雪梨作业提交后，作业状态的改变</a:t>
-            </a:r>
-            <a:endParaRPr lang="en-US" altLang="zh-CN" dirty="0" smtClean="0"/>
-          </a:p>
-          <a:p>
+              <a:t>　　</a:t>
+            </a:r>
+            <a:r>
+              <a:rPr lang="en-US" altLang="zh-CN" dirty="0" smtClean="0"/>
+              <a:t>3. </a:t>
+            </a:r>
             <a:r>
               <a:rPr lang="zh-CN" altLang="en-US" dirty="0" smtClean="0"/>
-              <a:t>商品购买前，购买后，发货前后，签收前后，商品状态（数据）的变化</a:t>
-            </a:r>
-            <a:endParaRPr lang="en-US" altLang="zh-CN" dirty="0" smtClean="0"/>
-          </a:p>
-          <a:p>
+              <a:t>在每个流程下，进行数据的增、删、改，检查重新启动程序，各路径下的</a:t>
+            </a:r>
             <a:r>
               <a:rPr lang="zh-CN" altLang="en-US" dirty="0" smtClean="0"/>
-              <a:t>钉钉：请假流程</a:t>
-            </a:r>
-            <a:endParaRPr lang="en-US" altLang="zh-CN" dirty="0" smtClean="0"/>
-          </a:p>
-          <a:p>
-            <a:r>
-              <a:rPr lang="en-US" altLang="zh-CN"/>
-              <a:t>……</a:t>
-            </a:r>
-            <a:endParaRPr lang="en-US" altLang="zh-CN" dirty="0" smtClean="0"/>
+              <a:t>数据</a:t>
+            </a:r>
+            <a:r>
+              <a:rPr lang="zh-CN" altLang="en-US" dirty="0" smtClean="0"/>
+              <a:t>展示和应用正确</a:t>
+            </a:r>
+          </a:p>
+          <a:p>
+            <a:pPr marL="0" indent="0">
+              <a:buNone/>
+            </a:pPr>
+            <a:r>
+              <a:rPr lang="zh-CN" altLang="en-US" dirty="0" smtClean="0"/>
+              <a:t>　　</a:t>
+            </a:r>
+            <a:r>
+              <a:rPr lang="en-US" altLang="zh-CN" dirty="0" smtClean="0"/>
+              <a:t>4. </a:t>
+            </a:r>
+            <a:r>
+              <a:rPr lang="zh-CN" altLang="en-US" dirty="0" smtClean="0"/>
+              <a:t>在每个流程下，通过</a:t>
+            </a:r>
+            <a:r>
+              <a:rPr lang="zh-CN" altLang="en-US" dirty="0" smtClean="0">
+                <a:solidFill>
+                  <a:srgbClr val="FF0000"/>
+                </a:solidFill>
+              </a:rPr>
+              <a:t>异常操作</a:t>
+            </a:r>
+            <a:r>
+              <a:rPr lang="zh-CN" altLang="en-US" dirty="0" smtClean="0"/>
+              <a:t>场景，导致数据流转中断，检查中断恢复后，数据的流转是否正确</a:t>
+            </a:r>
           </a:p>
           <a:p>
             <a:endParaRPr lang="zh-CN" altLang="en-US" dirty="0"/>
@@ -4560,7 +6599,7 @@
     </p:spTree>
     <p:extLst>
       <p:ext uri="{BB962C8B-B14F-4D97-AF65-F5344CB8AC3E}">
-        <p14:creationId xmlns:p14="http://schemas.microsoft.com/office/powerpoint/2010/main" val="2698113723"/>
+        <p14:creationId xmlns:p14="http://schemas.microsoft.com/office/powerpoint/2010/main" val="444479119"/>
       </p:ext>
     </p:extLst>
   </p:cSld>
@@ -4570,7 +6609,442 @@
   <p:timing>
     <p:tnLst>
       <p:par>
-        <p:cTn id="1" dur="indefinite" restart="never" nodeType="tmRoot"/>
+        <p:cTn id="1" dur="indefinite" restart="never" nodeType="tmRoot">
+          <p:childTnLst>
+            <p:seq concurrent="1" nextAc="seek">
+              <p:cTn id="2" dur="indefinite" nodeType="mainSeq">
+                <p:childTnLst>
+                  <p:par>
+                    <p:cTn id="3" fill="hold">
+                      <p:stCondLst>
+                        <p:cond delay="indefinite"/>
+                      </p:stCondLst>
+                      <p:childTnLst>
+                        <p:par>
+                          <p:cTn id="4" fill="hold">
+                            <p:stCondLst>
+                              <p:cond delay="0"/>
+                            </p:stCondLst>
+                            <p:childTnLst>
+                              <p:par>
+                                <p:cTn id="5" presetID="2" presetClass="entr" presetSubtype="4" fill="hold" nodeType="clickEffect">
+                                  <p:stCondLst>
+                                    <p:cond delay="0"/>
+                                  </p:stCondLst>
+                                  <p:childTnLst>
+                                    <p:set>
+                                      <p:cBhvr>
+                                        <p:cTn id="6" dur="1" fill="hold">
+                                          <p:stCondLst>
+                                            <p:cond delay="0"/>
+                                          </p:stCondLst>
+                                        </p:cTn>
+                                        <p:tgtEl>
+                                          <p:spTgt spid="3">
+                                            <p:txEl>
+                                              <p:pRg st="2" end="2"/>
+                                            </p:txEl>
+                                          </p:spTgt>
+                                        </p:tgtEl>
+                                        <p:attrNameLst>
+                                          <p:attrName>style.visibility</p:attrName>
+                                        </p:attrNameLst>
+                                      </p:cBhvr>
+                                      <p:to>
+                                        <p:strVal val="visible"/>
+                                      </p:to>
+                                    </p:set>
+                                    <p:anim calcmode="lin" valueType="num">
+                                      <p:cBhvr additive="base">
+                                        <p:cTn id="7" dur="500" fill="hold"/>
+                                        <p:tgtEl>
+                                          <p:spTgt spid="3">
+                                            <p:txEl>
+                                              <p:pRg st="2" end="2"/>
+                                            </p:txEl>
+                                          </p:spTgt>
+                                        </p:tgtEl>
+                                        <p:attrNameLst>
+                                          <p:attrName>ppt_x</p:attrName>
+                                        </p:attrNameLst>
+                                      </p:cBhvr>
+                                      <p:tavLst>
+                                        <p:tav tm="0">
+                                          <p:val>
+                                            <p:strVal val="#ppt_x"/>
+                                          </p:val>
+                                        </p:tav>
+                                        <p:tav tm="100000">
+                                          <p:val>
+                                            <p:strVal val="#ppt_x"/>
+                                          </p:val>
+                                        </p:tav>
+                                      </p:tavLst>
+                                    </p:anim>
+                                    <p:anim calcmode="lin" valueType="num">
+                                      <p:cBhvr additive="base">
+                                        <p:cTn id="8" dur="500" fill="hold"/>
+                                        <p:tgtEl>
+                                          <p:spTgt spid="3">
+                                            <p:txEl>
+                                              <p:pRg st="2" end="2"/>
+                                            </p:txEl>
+                                          </p:spTgt>
+                                        </p:tgtEl>
+                                        <p:attrNameLst>
+                                          <p:attrName>ppt_y</p:attrName>
+                                        </p:attrNameLst>
+                                      </p:cBhvr>
+                                      <p:tavLst>
+                                        <p:tav tm="0">
+                                          <p:val>
+                                            <p:strVal val="1+#ppt_h/2"/>
+                                          </p:val>
+                                        </p:tav>
+                                        <p:tav tm="100000">
+                                          <p:val>
+                                            <p:strVal val="#ppt_y"/>
+                                          </p:val>
+                                        </p:tav>
+                                      </p:tavLst>
+                                    </p:anim>
+                                  </p:childTnLst>
+                                </p:cTn>
+                              </p:par>
+                            </p:childTnLst>
+                          </p:cTn>
+                        </p:par>
+                      </p:childTnLst>
+                    </p:cTn>
+                  </p:par>
+                  <p:par>
+                    <p:cTn id="9" fill="hold">
+                      <p:stCondLst>
+                        <p:cond delay="indefinite"/>
+                      </p:stCondLst>
+                      <p:childTnLst>
+                        <p:par>
+                          <p:cTn id="10" fill="hold">
+                            <p:stCondLst>
+                              <p:cond delay="0"/>
+                            </p:stCondLst>
+                            <p:childTnLst>
+                              <p:par>
+                                <p:cTn id="11" presetID="2" presetClass="entr" presetSubtype="4" fill="hold" nodeType="clickEffect">
+                                  <p:stCondLst>
+                                    <p:cond delay="0"/>
+                                  </p:stCondLst>
+                                  <p:childTnLst>
+                                    <p:set>
+                                      <p:cBhvr>
+                                        <p:cTn id="12" dur="1" fill="hold">
+                                          <p:stCondLst>
+                                            <p:cond delay="0"/>
+                                          </p:stCondLst>
+                                        </p:cTn>
+                                        <p:tgtEl>
+                                          <p:spTgt spid="3">
+                                            <p:txEl>
+                                              <p:pRg st="3" end="3"/>
+                                            </p:txEl>
+                                          </p:spTgt>
+                                        </p:tgtEl>
+                                        <p:attrNameLst>
+                                          <p:attrName>style.visibility</p:attrName>
+                                        </p:attrNameLst>
+                                      </p:cBhvr>
+                                      <p:to>
+                                        <p:strVal val="visible"/>
+                                      </p:to>
+                                    </p:set>
+                                    <p:anim calcmode="lin" valueType="num">
+                                      <p:cBhvr additive="base">
+                                        <p:cTn id="13" dur="500" fill="hold"/>
+                                        <p:tgtEl>
+                                          <p:spTgt spid="3">
+                                            <p:txEl>
+                                              <p:pRg st="3" end="3"/>
+                                            </p:txEl>
+                                          </p:spTgt>
+                                        </p:tgtEl>
+                                        <p:attrNameLst>
+                                          <p:attrName>ppt_x</p:attrName>
+                                        </p:attrNameLst>
+                                      </p:cBhvr>
+                                      <p:tavLst>
+                                        <p:tav tm="0">
+                                          <p:val>
+                                            <p:strVal val="#ppt_x"/>
+                                          </p:val>
+                                        </p:tav>
+                                        <p:tav tm="100000">
+                                          <p:val>
+                                            <p:strVal val="#ppt_x"/>
+                                          </p:val>
+                                        </p:tav>
+                                      </p:tavLst>
+                                    </p:anim>
+                                    <p:anim calcmode="lin" valueType="num">
+                                      <p:cBhvr additive="base">
+                                        <p:cTn id="14" dur="500" fill="hold"/>
+                                        <p:tgtEl>
+                                          <p:spTgt spid="3">
+                                            <p:txEl>
+                                              <p:pRg st="3" end="3"/>
+                                            </p:txEl>
+                                          </p:spTgt>
+                                        </p:tgtEl>
+                                        <p:attrNameLst>
+                                          <p:attrName>ppt_y</p:attrName>
+                                        </p:attrNameLst>
+                                      </p:cBhvr>
+                                      <p:tavLst>
+                                        <p:tav tm="0">
+                                          <p:val>
+                                            <p:strVal val="1+#ppt_h/2"/>
+                                          </p:val>
+                                        </p:tav>
+                                        <p:tav tm="100000">
+                                          <p:val>
+                                            <p:strVal val="#ppt_y"/>
+                                          </p:val>
+                                        </p:tav>
+                                      </p:tavLst>
+                                    </p:anim>
+                                  </p:childTnLst>
+                                </p:cTn>
+                              </p:par>
+                            </p:childTnLst>
+                          </p:cTn>
+                        </p:par>
+                      </p:childTnLst>
+                    </p:cTn>
+                  </p:par>
+                  <p:par>
+                    <p:cTn id="15" fill="hold">
+                      <p:stCondLst>
+                        <p:cond delay="indefinite"/>
+                      </p:stCondLst>
+                      <p:childTnLst>
+                        <p:par>
+                          <p:cTn id="16" fill="hold">
+                            <p:stCondLst>
+                              <p:cond delay="0"/>
+                            </p:stCondLst>
+                            <p:childTnLst>
+                              <p:par>
+                                <p:cTn id="17" presetID="2" presetClass="entr" presetSubtype="4" fill="hold" nodeType="clickEffect">
+                                  <p:stCondLst>
+                                    <p:cond delay="0"/>
+                                  </p:stCondLst>
+                                  <p:childTnLst>
+                                    <p:set>
+                                      <p:cBhvr>
+                                        <p:cTn id="18" dur="1" fill="hold">
+                                          <p:stCondLst>
+                                            <p:cond delay="0"/>
+                                          </p:stCondLst>
+                                        </p:cTn>
+                                        <p:tgtEl>
+                                          <p:spTgt spid="3">
+                                            <p:txEl>
+                                              <p:pRg st="4" end="4"/>
+                                            </p:txEl>
+                                          </p:spTgt>
+                                        </p:tgtEl>
+                                        <p:attrNameLst>
+                                          <p:attrName>style.visibility</p:attrName>
+                                        </p:attrNameLst>
+                                      </p:cBhvr>
+                                      <p:to>
+                                        <p:strVal val="visible"/>
+                                      </p:to>
+                                    </p:set>
+                                    <p:anim calcmode="lin" valueType="num">
+                                      <p:cBhvr additive="base">
+                                        <p:cTn id="19" dur="500" fill="hold"/>
+                                        <p:tgtEl>
+                                          <p:spTgt spid="3">
+                                            <p:txEl>
+                                              <p:pRg st="4" end="4"/>
+                                            </p:txEl>
+                                          </p:spTgt>
+                                        </p:tgtEl>
+                                        <p:attrNameLst>
+                                          <p:attrName>ppt_x</p:attrName>
+                                        </p:attrNameLst>
+                                      </p:cBhvr>
+                                      <p:tavLst>
+                                        <p:tav tm="0">
+                                          <p:val>
+                                            <p:strVal val="#ppt_x"/>
+                                          </p:val>
+                                        </p:tav>
+                                        <p:tav tm="100000">
+                                          <p:val>
+                                            <p:strVal val="#ppt_x"/>
+                                          </p:val>
+                                        </p:tav>
+                                      </p:tavLst>
+                                    </p:anim>
+                                    <p:anim calcmode="lin" valueType="num">
+                                      <p:cBhvr additive="base">
+                                        <p:cTn id="20" dur="500" fill="hold"/>
+                                        <p:tgtEl>
+                                          <p:spTgt spid="3">
+                                            <p:txEl>
+                                              <p:pRg st="4" end="4"/>
+                                            </p:txEl>
+                                          </p:spTgt>
+                                        </p:tgtEl>
+                                        <p:attrNameLst>
+                                          <p:attrName>ppt_y</p:attrName>
+                                        </p:attrNameLst>
+                                      </p:cBhvr>
+                                      <p:tavLst>
+                                        <p:tav tm="0">
+                                          <p:val>
+                                            <p:strVal val="1+#ppt_h/2"/>
+                                          </p:val>
+                                        </p:tav>
+                                        <p:tav tm="100000">
+                                          <p:val>
+                                            <p:strVal val="#ppt_y"/>
+                                          </p:val>
+                                        </p:tav>
+                                      </p:tavLst>
+                                    </p:anim>
+                                  </p:childTnLst>
+                                </p:cTn>
+                              </p:par>
+                            </p:childTnLst>
+                          </p:cTn>
+                        </p:par>
+                      </p:childTnLst>
+                    </p:cTn>
+                  </p:par>
+                  <p:par>
+                    <p:cTn id="21" fill="hold">
+                      <p:stCondLst>
+                        <p:cond delay="indefinite"/>
+                      </p:stCondLst>
+                      <p:childTnLst>
+                        <p:par>
+                          <p:cTn id="22" fill="hold">
+                            <p:stCondLst>
+                              <p:cond delay="0"/>
+                            </p:stCondLst>
+                            <p:childTnLst>
+                              <p:par>
+                                <p:cTn id="23" presetID="2" presetClass="entr" presetSubtype="4" fill="hold" nodeType="clickEffect">
+                                  <p:stCondLst>
+                                    <p:cond delay="0"/>
+                                  </p:stCondLst>
+                                  <p:childTnLst>
+                                    <p:set>
+                                      <p:cBhvr>
+                                        <p:cTn id="24" dur="1" fill="hold">
+                                          <p:stCondLst>
+                                            <p:cond delay="0"/>
+                                          </p:stCondLst>
+                                        </p:cTn>
+                                        <p:tgtEl>
+                                          <p:spTgt spid="3">
+                                            <p:txEl>
+                                              <p:pRg st="5" end="5"/>
+                                            </p:txEl>
+                                          </p:spTgt>
+                                        </p:tgtEl>
+                                        <p:attrNameLst>
+                                          <p:attrName>style.visibility</p:attrName>
+                                        </p:attrNameLst>
+                                      </p:cBhvr>
+                                      <p:to>
+                                        <p:strVal val="visible"/>
+                                      </p:to>
+                                    </p:set>
+                                    <p:anim calcmode="lin" valueType="num">
+                                      <p:cBhvr additive="base">
+                                        <p:cTn id="25" dur="500" fill="hold"/>
+                                        <p:tgtEl>
+                                          <p:spTgt spid="3">
+                                            <p:txEl>
+                                              <p:pRg st="5" end="5"/>
+                                            </p:txEl>
+                                          </p:spTgt>
+                                        </p:tgtEl>
+                                        <p:attrNameLst>
+                                          <p:attrName>ppt_x</p:attrName>
+                                        </p:attrNameLst>
+                                      </p:cBhvr>
+                                      <p:tavLst>
+                                        <p:tav tm="0">
+                                          <p:val>
+                                            <p:strVal val="#ppt_x"/>
+                                          </p:val>
+                                        </p:tav>
+                                        <p:tav tm="100000">
+                                          <p:val>
+                                            <p:strVal val="#ppt_x"/>
+                                          </p:val>
+                                        </p:tav>
+                                      </p:tavLst>
+                                    </p:anim>
+                                    <p:anim calcmode="lin" valueType="num">
+                                      <p:cBhvr additive="base">
+                                        <p:cTn id="26" dur="500" fill="hold"/>
+                                        <p:tgtEl>
+                                          <p:spTgt spid="3">
+                                            <p:txEl>
+                                              <p:pRg st="5" end="5"/>
+                                            </p:txEl>
+                                          </p:spTgt>
+                                        </p:tgtEl>
+                                        <p:attrNameLst>
+                                          <p:attrName>ppt_y</p:attrName>
+                                        </p:attrNameLst>
+                                      </p:cBhvr>
+                                      <p:tavLst>
+                                        <p:tav tm="0">
+                                          <p:val>
+                                            <p:strVal val="1+#ppt_h/2"/>
+                                          </p:val>
+                                        </p:tav>
+                                        <p:tav tm="100000">
+                                          <p:val>
+                                            <p:strVal val="#ppt_y"/>
+                                          </p:val>
+                                        </p:tav>
+                                      </p:tavLst>
+                                    </p:anim>
+                                  </p:childTnLst>
+                                </p:cTn>
+                              </p:par>
+                            </p:childTnLst>
+                          </p:cTn>
+                        </p:par>
+                      </p:childTnLst>
+                    </p:cTn>
+                  </p:par>
+                </p:childTnLst>
+              </p:cTn>
+              <p:prevCondLst>
+                <p:cond evt="onPrev" delay="0">
+                  <p:tgtEl>
+                    <p:sldTgt/>
+                  </p:tgtEl>
+                </p:cond>
+              </p:prevCondLst>
+              <p:nextCondLst>
+                <p:cond evt="onNext" delay="0">
+                  <p:tgtEl>
+                    <p:sldTgt/>
+                  </p:tgtEl>
+                </p:cond>
+              </p:nextCondLst>
+            </p:seq>
+          </p:childTnLst>
+        </p:cTn>
       </p:par>
     </p:tnLst>
   </p:timing>
@@ -4596,12 +7070,12 @@
       </p:grpSpPr>
       <p:sp>
         <p:nvSpPr>
-          <p:cNvPr id="4" name="标题 3"/>
-          <p:cNvSpPr>
-            <a:spLocks noGrp="1"/>
-          </p:cNvSpPr>
-          <p:nvPr>
-            <p:ph type="ctrTitle"/>
+          <p:cNvPr id="2" name="标题 1"/>
+          <p:cNvSpPr>
+            <a:spLocks noGrp="1"/>
+          </p:cNvSpPr>
+          <p:nvPr>
+            <p:ph type="title"/>
           </p:nvPr>
         </p:nvSpPr>
         <p:spPr/>
@@ -4610,17 +7084,660 @@
           <a:lstStyle/>
           <a:p>
             <a:r>
-              <a:rPr lang="en-US" altLang="zh-CN" dirty="0" smtClean="0"/>
-              <a:t>Question</a:t>
+              <a:rPr lang="zh-CN" altLang="en-US" dirty="0" smtClean="0"/>
+              <a:t>举例：测试分析</a:t>
             </a:r>
             <a:endParaRPr lang="zh-CN" altLang="en-US" dirty="0"/>
           </a:p>
         </p:txBody>
       </p:sp>
+      <p:sp>
+        <p:nvSpPr>
+          <p:cNvPr id="3" name="内容占位符 2"/>
+          <p:cNvSpPr>
+            <a:spLocks noGrp="1"/>
+          </p:cNvSpPr>
+          <p:nvPr>
+            <p:ph idx="1"/>
+          </p:nvPr>
+        </p:nvSpPr>
+        <p:spPr>
+          <a:xfrm>
+            <a:off x="850900" y="1089024"/>
+            <a:ext cx="4394200" cy="4930775"/>
+          </a:xfrm>
+        </p:spPr>
+        <p:txBody>
+          <a:bodyPr/>
+          <a:lstStyle/>
+          <a:p>
+            <a:r>
+              <a:rPr lang="zh-CN" altLang="en-US" dirty="0" smtClean="0"/>
+              <a:t>“浏览器资讯评论”功能测试。在浏览器资讯页面，用户可对资讯内容进行评论并展示评论内容</a:t>
+            </a:r>
+            <a:endParaRPr lang="zh-CN" altLang="en-US" dirty="0"/>
+          </a:p>
+        </p:txBody>
+      </p:sp>
+      <p:grpSp>
+        <p:nvGrpSpPr>
+          <p:cNvPr id="41" name="组合 40"/>
+          <p:cNvGrpSpPr/>
+          <p:nvPr/>
+        </p:nvGrpSpPr>
+        <p:grpSpPr>
+          <a:xfrm>
+            <a:off x="5816600" y="1155700"/>
+            <a:ext cx="4775200" cy="5245100"/>
+            <a:chOff x="5118100" y="2209800"/>
+            <a:chExt cx="4775200" cy="5245100"/>
+          </a:xfrm>
+        </p:grpSpPr>
+        <p:sp>
+          <p:nvSpPr>
+            <p:cNvPr id="5" name="圆角矩形 4"/>
+            <p:cNvSpPr/>
+            <p:nvPr/>
+          </p:nvSpPr>
+          <p:spPr>
+            <a:xfrm>
+              <a:off x="7162800" y="2209800"/>
+              <a:ext cx="2374900" cy="850900"/>
+            </a:xfrm>
+            <a:prstGeom prst="roundRect">
+              <a:avLst/>
+            </a:prstGeom>
+          </p:spPr>
+          <p:style>
+            <a:lnRef idx="2">
+              <a:schemeClr val="accent1">
+                <a:shade val="50000"/>
+              </a:schemeClr>
+            </a:lnRef>
+            <a:fillRef idx="1">
+              <a:schemeClr val="accent1"/>
+            </a:fillRef>
+            <a:effectRef idx="0">
+              <a:schemeClr val="accent1"/>
+            </a:effectRef>
+            <a:fontRef idx="minor">
+              <a:schemeClr val="lt1"/>
+            </a:fontRef>
+          </p:style>
+          <p:txBody>
+            <a:bodyPr rtlCol="0" anchor="ctr"/>
+            <a:lstStyle/>
+            <a:p>
+              <a:pPr algn="ctr"/>
+              <a:r>
+                <a:rPr lang="zh-CN" altLang="en-US" sz="2400" b="1" dirty="0" smtClean="0">
+                  <a:solidFill>
+                    <a:schemeClr val="tx1"/>
+                  </a:solidFill>
+                  <a:latin typeface="楷体" panose="02010609060101010101" pitchFamily="49" charset="-122"/>
+                  <a:ea typeface="楷体" panose="02010609060101010101" pitchFamily="49" charset="-122"/>
+                </a:rPr>
+                <a:t>用户输入数据</a:t>
+              </a:r>
+              <a:endParaRPr lang="zh-CN" altLang="en-US" sz="2400" b="1" dirty="0">
+                <a:solidFill>
+                  <a:schemeClr val="tx1"/>
+                </a:solidFill>
+                <a:latin typeface="楷体" panose="02010609060101010101" pitchFamily="49" charset="-122"/>
+                <a:ea typeface="楷体" panose="02010609060101010101" pitchFamily="49" charset="-122"/>
+              </a:endParaRPr>
+            </a:p>
+          </p:txBody>
+        </p:sp>
+        <p:sp>
+          <p:nvSpPr>
+            <p:cNvPr id="6" name="菱形 5"/>
+            <p:cNvSpPr/>
+            <p:nvPr/>
+          </p:nvSpPr>
+          <p:spPr>
+            <a:xfrm>
+              <a:off x="7658100" y="3568700"/>
+              <a:ext cx="1587500" cy="1676400"/>
+            </a:xfrm>
+            <a:prstGeom prst="diamond">
+              <a:avLst/>
+            </a:prstGeom>
+          </p:spPr>
+          <p:style>
+            <a:lnRef idx="2">
+              <a:schemeClr val="accent1">
+                <a:shade val="50000"/>
+              </a:schemeClr>
+            </a:lnRef>
+            <a:fillRef idx="1">
+              <a:schemeClr val="accent1"/>
+            </a:fillRef>
+            <a:effectRef idx="0">
+              <a:schemeClr val="accent1"/>
+            </a:effectRef>
+            <a:fontRef idx="minor">
+              <a:schemeClr val="lt1"/>
+            </a:fontRef>
+          </p:style>
+          <p:txBody>
+            <a:bodyPr rtlCol="0" anchor="ctr"/>
+            <a:lstStyle/>
+            <a:p>
+              <a:pPr algn="ctr"/>
+              <a:r>
+                <a:rPr lang="zh-CN" altLang="en-US" sz="2800" dirty="0">
+                  <a:solidFill>
+                    <a:schemeClr val="tx1"/>
+                  </a:solidFill>
+                  <a:latin typeface="Times New Roman" panose="02020603050405020304" pitchFamily="18" charset="0"/>
+                  <a:ea typeface="楷体" panose="02010609060101010101" pitchFamily="49" charset="-122"/>
+                  <a:cs typeface="Times New Roman" panose="02020603050405020304" pitchFamily="18" charset="0"/>
+                </a:rPr>
+                <a:t>是否有网</a:t>
+              </a:r>
+            </a:p>
+          </p:txBody>
+        </p:sp>
+        <p:sp>
+          <p:nvSpPr>
+            <p:cNvPr id="7" name="矩形 6"/>
+            <p:cNvSpPr/>
+            <p:nvPr/>
+          </p:nvSpPr>
+          <p:spPr>
+            <a:xfrm>
+              <a:off x="7581900" y="5537200"/>
+              <a:ext cx="2146300" cy="673100"/>
+            </a:xfrm>
+            <a:prstGeom prst="rect">
+              <a:avLst/>
+            </a:prstGeom>
+          </p:spPr>
+          <p:style>
+            <a:lnRef idx="2">
+              <a:schemeClr val="accent1">
+                <a:shade val="50000"/>
+              </a:schemeClr>
+            </a:lnRef>
+            <a:fillRef idx="1">
+              <a:schemeClr val="accent1"/>
+            </a:fillRef>
+            <a:effectRef idx="0">
+              <a:schemeClr val="accent1"/>
+            </a:effectRef>
+            <a:fontRef idx="minor">
+              <a:schemeClr val="lt1"/>
+            </a:fontRef>
+          </p:style>
+          <p:txBody>
+            <a:bodyPr rtlCol="0" anchor="ctr"/>
+            <a:lstStyle/>
+            <a:p>
+              <a:pPr algn="ctr"/>
+              <a:r>
+                <a:rPr lang="zh-CN" altLang="en-US" sz="2800" dirty="0">
+                  <a:solidFill>
+                    <a:schemeClr val="tx1"/>
+                  </a:solidFill>
+                  <a:latin typeface="Times New Roman" panose="02020603050405020304" pitchFamily="18" charset="0"/>
+                  <a:ea typeface="楷体" panose="02010609060101010101" pitchFamily="49" charset="-122"/>
+                  <a:cs typeface="Times New Roman" panose="02020603050405020304" pitchFamily="18" charset="0"/>
+                </a:rPr>
+                <a:t>上传服务器</a:t>
+              </a:r>
+            </a:p>
+          </p:txBody>
+        </p:sp>
+        <p:sp>
+          <p:nvSpPr>
+            <p:cNvPr id="8" name="圆角矩形 7"/>
+            <p:cNvSpPr/>
+            <p:nvPr/>
+          </p:nvSpPr>
+          <p:spPr>
+            <a:xfrm>
+              <a:off x="7518400" y="6604000"/>
+              <a:ext cx="2374900" cy="850900"/>
+            </a:xfrm>
+            <a:prstGeom prst="roundRect">
+              <a:avLst/>
+            </a:prstGeom>
+          </p:spPr>
+          <p:style>
+            <a:lnRef idx="2">
+              <a:schemeClr val="accent1">
+                <a:shade val="50000"/>
+              </a:schemeClr>
+            </a:lnRef>
+            <a:fillRef idx="1">
+              <a:schemeClr val="accent1"/>
+            </a:fillRef>
+            <a:effectRef idx="0">
+              <a:schemeClr val="accent1"/>
+            </a:effectRef>
+            <a:fontRef idx="minor">
+              <a:schemeClr val="lt1"/>
+            </a:fontRef>
+          </p:style>
+          <p:txBody>
+            <a:bodyPr rtlCol="0" anchor="ctr"/>
+            <a:lstStyle/>
+            <a:p>
+              <a:pPr algn="ctr"/>
+              <a:r>
+                <a:rPr lang="zh-CN" altLang="en-US" sz="2400" b="1" dirty="0" smtClean="0">
+                  <a:solidFill>
+                    <a:schemeClr val="tx1"/>
+                  </a:solidFill>
+                  <a:latin typeface="楷体" panose="02010609060101010101" pitchFamily="49" charset="-122"/>
+                  <a:ea typeface="楷体" panose="02010609060101010101" pitchFamily="49" charset="-122"/>
+                </a:rPr>
+                <a:t>评论和个数展示在客户端</a:t>
+              </a:r>
+              <a:endParaRPr lang="zh-CN" altLang="en-US" sz="2400" b="1" dirty="0">
+                <a:solidFill>
+                  <a:schemeClr val="tx1"/>
+                </a:solidFill>
+                <a:latin typeface="楷体" panose="02010609060101010101" pitchFamily="49" charset="-122"/>
+                <a:ea typeface="楷体" panose="02010609060101010101" pitchFamily="49" charset="-122"/>
+              </a:endParaRPr>
+            </a:p>
+          </p:txBody>
+        </p:sp>
+        <p:sp>
+          <p:nvSpPr>
+            <p:cNvPr id="9" name="矩形 8"/>
+            <p:cNvSpPr/>
+            <p:nvPr/>
+          </p:nvSpPr>
+          <p:spPr>
+            <a:xfrm>
+              <a:off x="5118100" y="4686300"/>
+              <a:ext cx="1841500" cy="1701800"/>
+            </a:xfrm>
+            <a:prstGeom prst="rect">
+              <a:avLst/>
+            </a:prstGeom>
+          </p:spPr>
+          <p:style>
+            <a:lnRef idx="2">
+              <a:schemeClr val="accent1">
+                <a:shade val="50000"/>
+              </a:schemeClr>
+            </a:lnRef>
+            <a:fillRef idx="1">
+              <a:schemeClr val="accent1"/>
+            </a:fillRef>
+            <a:effectRef idx="0">
+              <a:schemeClr val="accent1"/>
+            </a:effectRef>
+            <a:fontRef idx="minor">
+              <a:schemeClr val="lt1"/>
+            </a:fontRef>
+          </p:style>
+          <p:txBody>
+            <a:bodyPr rtlCol="0" anchor="ctr"/>
+            <a:lstStyle/>
+            <a:p>
+              <a:pPr algn="ctr"/>
+              <a:r>
+                <a:rPr lang="zh-CN" altLang="en-US" sz="2800" dirty="0">
+                  <a:solidFill>
+                    <a:schemeClr val="tx1"/>
+                  </a:solidFill>
+                  <a:latin typeface="Times New Roman" panose="02020603050405020304" pitchFamily="18" charset="0"/>
+                  <a:ea typeface="楷体" panose="02010609060101010101" pitchFamily="49" charset="-122"/>
+                  <a:cs typeface="Times New Roman" panose="02020603050405020304" pitchFamily="18" charset="0"/>
+                </a:rPr>
+                <a:t>评论保存在本地，本地评论数</a:t>
+              </a:r>
+              <a:r>
+                <a:rPr lang="en-US" altLang="zh-CN" sz="2800" dirty="0">
+                  <a:solidFill>
+                    <a:schemeClr val="tx1"/>
+                  </a:solidFill>
+                  <a:latin typeface="Times New Roman" panose="02020603050405020304" pitchFamily="18" charset="0"/>
+                  <a:ea typeface="楷体" panose="02010609060101010101" pitchFamily="49" charset="-122"/>
+                  <a:cs typeface="Times New Roman" panose="02020603050405020304" pitchFamily="18" charset="0"/>
+                </a:rPr>
+                <a:t>+1</a:t>
+              </a:r>
+              <a:endParaRPr lang="zh-CN" altLang="en-US" sz="2800" dirty="0">
+                <a:solidFill>
+                  <a:schemeClr val="tx1"/>
+                </a:solidFill>
+                <a:latin typeface="Times New Roman" panose="02020603050405020304" pitchFamily="18" charset="0"/>
+                <a:ea typeface="楷体" panose="02010609060101010101" pitchFamily="49" charset="-122"/>
+                <a:cs typeface="Times New Roman" panose="02020603050405020304" pitchFamily="18" charset="0"/>
+              </a:endParaRPr>
+            </a:p>
+          </p:txBody>
+        </p:sp>
+        <p:cxnSp>
+          <p:nvCxnSpPr>
+            <p:cNvPr id="11" name="直接箭头连接符 10"/>
+            <p:cNvCxnSpPr/>
+            <p:nvPr/>
+          </p:nvCxnSpPr>
+          <p:spPr>
+            <a:xfrm flipH="1">
+              <a:off x="8458200" y="3086100"/>
+              <a:ext cx="12700" cy="393700"/>
+            </a:xfrm>
+            <a:prstGeom prst="straightConnector1">
+              <a:avLst/>
+            </a:prstGeom>
+            <a:ln w="38100">
+              <a:tailEnd type="triangle"/>
+            </a:ln>
+          </p:spPr>
+          <p:style>
+            <a:lnRef idx="1">
+              <a:schemeClr val="accent1"/>
+            </a:lnRef>
+            <a:fillRef idx="0">
+              <a:schemeClr val="accent1"/>
+            </a:fillRef>
+            <a:effectRef idx="0">
+              <a:schemeClr val="accent1"/>
+            </a:effectRef>
+            <a:fontRef idx="minor">
+              <a:schemeClr val="tx1"/>
+            </a:fontRef>
+          </p:style>
+        </p:cxnSp>
+        <p:cxnSp>
+          <p:nvCxnSpPr>
+            <p:cNvPr id="13" name="直接箭头连接符 12"/>
+            <p:cNvCxnSpPr/>
+            <p:nvPr/>
+          </p:nvCxnSpPr>
+          <p:spPr>
+            <a:xfrm flipH="1">
+              <a:off x="8534400" y="5219700"/>
+              <a:ext cx="12700" cy="393700"/>
+            </a:xfrm>
+            <a:prstGeom prst="straightConnector1">
+              <a:avLst/>
+            </a:prstGeom>
+            <a:ln w="38100">
+              <a:tailEnd type="triangle"/>
+            </a:ln>
+          </p:spPr>
+          <p:style>
+            <a:lnRef idx="1">
+              <a:schemeClr val="accent1"/>
+            </a:lnRef>
+            <a:fillRef idx="0">
+              <a:schemeClr val="accent1"/>
+            </a:fillRef>
+            <a:effectRef idx="0">
+              <a:schemeClr val="accent1"/>
+            </a:effectRef>
+            <a:fontRef idx="minor">
+              <a:schemeClr val="tx1"/>
+            </a:fontRef>
+          </p:style>
+        </p:cxnSp>
+        <p:cxnSp>
+          <p:nvCxnSpPr>
+            <p:cNvPr id="14" name="直接箭头连接符 13"/>
+            <p:cNvCxnSpPr/>
+            <p:nvPr/>
+          </p:nvCxnSpPr>
+          <p:spPr>
+            <a:xfrm flipH="1">
+              <a:off x="8636000" y="6235700"/>
+              <a:ext cx="12700" cy="393700"/>
+            </a:xfrm>
+            <a:prstGeom prst="straightConnector1">
+              <a:avLst/>
+            </a:prstGeom>
+            <a:ln w="38100">
+              <a:tailEnd type="triangle"/>
+            </a:ln>
+          </p:spPr>
+          <p:style>
+            <a:lnRef idx="1">
+              <a:schemeClr val="accent1"/>
+            </a:lnRef>
+            <a:fillRef idx="0">
+              <a:schemeClr val="accent1"/>
+            </a:fillRef>
+            <a:effectRef idx="0">
+              <a:schemeClr val="accent1"/>
+            </a:effectRef>
+            <a:fontRef idx="minor">
+              <a:schemeClr val="tx1"/>
+            </a:fontRef>
+          </p:style>
+        </p:cxnSp>
+        <p:grpSp>
+          <p:nvGrpSpPr>
+            <p:cNvPr id="32" name="组合 31"/>
+            <p:cNvGrpSpPr/>
+            <p:nvPr/>
+          </p:nvGrpSpPr>
+          <p:grpSpPr>
+            <a:xfrm>
+              <a:off x="6019800" y="4356100"/>
+              <a:ext cx="1663700" cy="330200"/>
+              <a:chOff x="5994400" y="4279900"/>
+              <a:chExt cx="1663700" cy="330200"/>
+            </a:xfrm>
+          </p:grpSpPr>
+          <p:cxnSp>
+            <p:nvCxnSpPr>
+              <p:cNvPr id="21" name="直接连接符 20"/>
+              <p:cNvCxnSpPr/>
+              <p:nvPr/>
+            </p:nvCxnSpPr>
+            <p:spPr>
+              <a:xfrm flipH="1" flipV="1">
+                <a:off x="6019800" y="4343400"/>
+                <a:ext cx="1638300" cy="12700"/>
+              </a:xfrm>
+              <a:prstGeom prst="line">
+                <a:avLst/>
+              </a:prstGeom>
+              <a:ln w="38100"/>
+            </p:spPr>
+            <p:style>
+              <a:lnRef idx="1">
+                <a:schemeClr val="accent1"/>
+              </a:lnRef>
+              <a:fillRef idx="0">
+                <a:schemeClr val="accent1"/>
+              </a:fillRef>
+              <a:effectRef idx="0">
+                <a:schemeClr val="accent1"/>
+              </a:effectRef>
+              <a:fontRef idx="minor">
+                <a:schemeClr val="tx1"/>
+              </a:fontRef>
+            </p:style>
+          </p:cxnSp>
+          <p:cxnSp>
+            <p:nvCxnSpPr>
+              <p:cNvPr id="25" name="直接箭头连接符 24"/>
+              <p:cNvCxnSpPr>
+                <a:endCxn id="9" idx="0"/>
+              </p:cNvCxnSpPr>
+              <p:nvPr/>
+            </p:nvCxnSpPr>
+            <p:spPr>
+              <a:xfrm>
+                <a:off x="5994400" y="4279900"/>
+                <a:ext cx="19050" cy="330200"/>
+              </a:xfrm>
+              <a:prstGeom prst="straightConnector1">
+                <a:avLst/>
+              </a:prstGeom>
+              <a:ln w="38100">
+                <a:tailEnd type="triangle"/>
+              </a:ln>
+            </p:spPr>
+            <p:style>
+              <a:lnRef idx="1">
+                <a:schemeClr val="accent1"/>
+              </a:lnRef>
+              <a:fillRef idx="0">
+                <a:schemeClr val="accent1"/>
+              </a:fillRef>
+              <a:effectRef idx="0">
+                <a:schemeClr val="accent1"/>
+              </a:effectRef>
+              <a:fontRef idx="minor">
+                <a:schemeClr val="tx1"/>
+              </a:fontRef>
+            </p:style>
+          </p:cxnSp>
+        </p:grpSp>
+        <p:sp>
+          <p:nvSpPr>
+            <p:cNvPr id="33" name="文本框 32"/>
+            <p:cNvSpPr txBox="1"/>
+            <p:nvPr/>
+          </p:nvSpPr>
+          <p:spPr>
+            <a:xfrm>
+              <a:off x="6413500" y="3898900"/>
+              <a:ext cx="787400" cy="461665"/>
+            </a:xfrm>
+            <a:prstGeom prst="rect">
+              <a:avLst/>
+            </a:prstGeom>
+            <a:noFill/>
+          </p:spPr>
+          <p:txBody>
+            <a:bodyPr wrap="square" rtlCol="0">
+              <a:spAutoFit/>
+            </a:bodyPr>
+            <a:lstStyle/>
+            <a:p>
+              <a:r>
+                <a:rPr lang="zh-CN" altLang="en-US" sz="2400" b="1" dirty="0" smtClean="0">
+                  <a:latin typeface="楷体" panose="02010609060101010101" pitchFamily="49" charset="-122"/>
+                  <a:ea typeface="楷体" panose="02010609060101010101" pitchFamily="49" charset="-122"/>
+                </a:rPr>
+                <a:t>否</a:t>
+              </a:r>
+              <a:endParaRPr lang="zh-CN" altLang="en-US" sz="2400" b="1" dirty="0">
+                <a:latin typeface="楷体" panose="02010609060101010101" pitchFamily="49" charset="-122"/>
+                <a:ea typeface="楷体" panose="02010609060101010101" pitchFamily="49" charset="-122"/>
+              </a:endParaRPr>
+            </a:p>
+          </p:txBody>
+        </p:sp>
+        <p:sp>
+          <p:nvSpPr>
+            <p:cNvPr id="34" name="文本框 33"/>
+            <p:cNvSpPr txBox="1"/>
+            <p:nvPr/>
+          </p:nvSpPr>
+          <p:spPr>
+            <a:xfrm>
+              <a:off x="8420100" y="5092700"/>
+              <a:ext cx="787400" cy="461665"/>
+            </a:xfrm>
+            <a:prstGeom prst="rect">
+              <a:avLst/>
+            </a:prstGeom>
+            <a:noFill/>
+          </p:spPr>
+          <p:txBody>
+            <a:bodyPr wrap="square" rtlCol="0">
+              <a:spAutoFit/>
+            </a:bodyPr>
+            <a:lstStyle/>
+            <a:p>
+              <a:r>
+                <a:rPr lang="zh-CN" altLang="en-US" sz="2400" b="1" dirty="0">
+                  <a:latin typeface="楷体" panose="02010609060101010101" pitchFamily="49" charset="-122"/>
+                  <a:ea typeface="楷体" panose="02010609060101010101" pitchFamily="49" charset="-122"/>
+                </a:rPr>
+                <a:t>是</a:t>
+              </a:r>
+            </a:p>
+          </p:txBody>
+        </p:sp>
+        <p:cxnSp>
+          <p:nvCxnSpPr>
+            <p:cNvPr id="36" name="肘形连接符 35"/>
+            <p:cNvCxnSpPr/>
+            <p:nvPr/>
+          </p:nvCxnSpPr>
+          <p:spPr>
+            <a:xfrm flipV="1">
+              <a:off x="6845300" y="6007100"/>
+              <a:ext cx="1104900" cy="63500"/>
+            </a:xfrm>
+            <a:prstGeom prst="bentConnector3">
+              <a:avLst>
+                <a:gd name="adj1" fmla="val 50000"/>
+              </a:avLst>
+            </a:prstGeom>
+            <a:ln w="57150">
+              <a:tailEnd type="triangle"/>
+            </a:ln>
+          </p:spPr>
+          <p:style>
+            <a:lnRef idx="1">
+              <a:schemeClr val="accent1"/>
+            </a:lnRef>
+            <a:fillRef idx="0">
+              <a:schemeClr val="accent1"/>
+            </a:fillRef>
+            <a:effectRef idx="0">
+              <a:schemeClr val="accent1"/>
+            </a:effectRef>
+            <a:fontRef idx="minor">
+              <a:schemeClr val="tx1"/>
+            </a:fontRef>
+          </p:style>
+        </p:cxnSp>
+        <p:sp>
+          <p:nvSpPr>
+            <p:cNvPr id="40" name="文本框 39"/>
+            <p:cNvSpPr txBox="1"/>
+            <p:nvPr/>
+          </p:nvSpPr>
+          <p:spPr>
+            <a:xfrm>
+              <a:off x="7010400" y="5334000"/>
+              <a:ext cx="787400" cy="830997"/>
+            </a:xfrm>
+            <a:prstGeom prst="rect">
+              <a:avLst/>
+            </a:prstGeom>
+            <a:noFill/>
+          </p:spPr>
+          <p:txBody>
+            <a:bodyPr wrap="square" rtlCol="0">
+              <a:spAutoFit/>
+            </a:bodyPr>
+            <a:lstStyle/>
+            <a:p>
+              <a:r>
+                <a:rPr lang="zh-CN" altLang="en-US" sz="2400" b="1" dirty="0" smtClean="0">
+                  <a:latin typeface="楷体" panose="02010609060101010101" pitchFamily="49" charset="-122"/>
+                  <a:ea typeface="楷体" panose="02010609060101010101" pitchFamily="49" charset="-122"/>
+                </a:rPr>
+                <a:t>有网</a:t>
+              </a:r>
+              <a:endParaRPr lang="zh-CN" altLang="en-US" sz="2400" b="1" dirty="0">
+                <a:latin typeface="楷体" panose="02010609060101010101" pitchFamily="49" charset="-122"/>
+                <a:ea typeface="楷体" panose="02010609060101010101" pitchFamily="49" charset="-122"/>
+              </a:endParaRPr>
+            </a:p>
+          </p:txBody>
+        </p:sp>
+      </p:grpSp>
     </p:spTree>
     <p:extLst>
       <p:ext uri="{BB962C8B-B14F-4D97-AF65-F5344CB8AC3E}">
-        <p14:creationId xmlns:p14="http://schemas.microsoft.com/office/powerpoint/2010/main" val="2464091055"/>
+        <p14:creationId xmlns:p14="http://schemas.microsoft.com/office/powerpoint/2010/main" val="2977253679"/>
       </p:ext>
     </p:extLst>
   </p:cSld>
@@ -4631,6 +7748,705 @@
     <p:tnLst>
       <p:par>
         <p:cTn id="1" dur="indefinite" restart="never" nodeType="tmRoot"/>
+      </p:par>
+    </p:tnLst>
+  </p:timing>
+</p:sld>
+</file>
+
+<file path=ppt/slides/slide9.xml><?xml version="1.0" encoding="utf-8"?>
+<p:sld xmlns:a="http://schemas.openxmlformats.org/drawingml/2006/main" xmlns:r="http://schemas.openxmlformats.org/officeDocument/2006/relationships" xmlns:p="http://schemas.openxmlformats.org/presentationml/2006/main">
+  <p:cSld>
+    <p:spTree>
+      <p:nvGrpSpPr>
+        <p:cNvPr id="1" name=""/>
+        <p:cNvGrpSpPr/>
+        <p:nvPr/>
+      </p:nvGrpSpPr>
+      <p:grpSpPr>
+        <a:xfrm>
+          <a:off x="0" y="0"/>
+          <a:ext cx="0" cy="0"/>
+          <a:chOff x="0" y="0"/>
+          <a:chExt cx="0" cy="0"/>
+        </a:xfrm>
+      </p:grpSpPr>
+      <p:sp>
+        <p:nvSpPr>
+          <p:cNvPr id="2" name="标题 1"/>
+          <p:cNvSpPr>
+            <a:spLocks noGrp="1"/>
+          </p:cNvSpPr>
+          <p:nvPr>
+            <p:ph type="title"/>
+          </p:nvPr>
+        </p:nvSpPr>
+        <p:spPr/>
+        <p:txBody>
+          <a:bodyPr/>
+          <a:lstStyle/>
+          <a:p>
+            <a:r>
+              <a:rPr lang="zh-CN" altLang="en-US" dirty="0" smtClean="0"/>
+              <a:t>测试内容</a:t>
+            </a:r>
+            <a:endParaRPr lang="zh-CN" altLang="en-US" dirty="0"/>
+          </a:p>
+        </p:txBody>
+      </p:sp>
+      <p:sp>
+        <p:nvSpPr>
+          <p:cNvPr id="3" name="内容占位符 2"/>
+          <p:cNvSpPr>
+            <a:spLocks noGrp="1"/>
+          </p:cNvSpPr>
+          <p:nvPr>
+            <p:ph idx="1"/>
+          </p:nvPr>
+        </p:nvSpPr>
+        <p:spPr>
+          <a:xfrm>
+            <a:off x="850900" y="1089024"/>
+            <a:ext cx="10515600" cy="5324476"/>
+          </a:xfrm>
+        </p:spPr>
+        <p:txBody>
+          <a:bodyPr>
+            <a:normAutofit/>
+          </a:bodyPr>
+          <a:lstStyle/>
+          <a:p>
+            <a:pPr marL="0" indent="0">
+              <a:buNone/>
+            </a:pPr>
+            <a:r>
+              <a:rPr lang="zh-CN" altLang="en-US" dirty="0" smtClean="0"/>
+              <a:t>　　</a:t>
+            </a:r>
+            <a:r>
+              <a:rPr lang="en-US" altLang="zh-CN" dirty="0" smtClean="0"/>
+              <a:t>1.  </a:t>
+            </a:r>
+            <a:r>
+              <a:rPr lang="zh-CN" altLang="en-US" dirty="0" smtClean="0"/>
+              <a:t>有网时，输入评论，检查评论的展示和个数正确</a:t>
+            </a:r>
+          </a:p>
+          <a:p>
+            <a:pPr marL="0" indent="0">
+              <a:buNone/>
+            </a:pPr>
+            <a:r>
+              <a:rPr lang="zh-CN" altLang="en-US" dirty="0" smtClean="0"/>
+              <a:t>　　</a:t>
+            </a:r>
+            <a:r>
+              <a:rPr lang="en-US" altLang="zh-CN" dirty="0" smtClean="0"/>
+              <a:t>2.  </a:t>
+            </a:r>
+            <a:r>
+              <a:rPr lang="zh-CN" altLang="en-US" dirty="0" smtClean="0"/>
+              <a:t>有网时，输入评论后删除，检查无评论展示和个数增加</a:t>
+            </a:r>
+          </a:p>
+          <a:p>
+            <a:pPr marL="0" indent="0">
+              <a:buNone/>
+            </a:pPr>
+            <a:r>
+              <a:rPr lang="zh-CN" altLang="en-US" dirty="0" smtClean="0"/>
+              <a:t>　　</a:t>
+            </a:r>
+            <a:r>
+              <a:rPr lang="en-US" altLang="zh-CN" dirty="0" smtClean="0"/>
+              <a:t>3. </a:t>
+            </a:r>
+            <a:r>
+              <a:rPr lang="zh-CN" altLang="en-US" dirty="0" smtClean="0"/>
+              <a:t>有网时，输入评论后，在服务器修改评论和个数，检查同步至客户端的展示和个数正确</a:t>
+            </a:r>
+          </a:p>
+          <a:p>
+            <a:pPr marL="0" indent="0">
+              <a:buNone/>
+            </a:pPr>
+            <a:r>
+              <a:rPr lang="zh-CN" altLang="en-US" dirty="0" smtClean="0"/>
+              <a:t>　　</a:t>
+            </a:r>
+            <a:r>
+              <a:rPr lang="en-US" altLang="zh-CN" dirty="0" smtClean="0"/>
+              <a:t>4. </a:t>
+            </a:r>
+            <a:r>
+              <a:rPr lang="zh-CN" altLang="en-US" dirty="0" smtClean="0"/>
+              <a:t>无网时，输入评论，检查本地评论和个数正确展示。联网后，再检查评论，检查评论和个数正确</a:t>
+            </a:r>
+          </a:p>
+          <a:p>
+            <a:pPr marL="0" indent="0">
+              <a:buNone/>
+            </a:pPr>
+            <a:r>
+              <a:rPr lang="zh-CN" altLang="en-US" dirty="0" smtClean="0"/>
+              <a:t>　　</a:t>
+            </a:r>
+            <a:endParaRPr lang="zh-CN" altLang="en-US" dirty="0"/>
+          </a:p>
+        </p:txBody>
+      </p:sp>
+    </p:spTree>
+    <p:extLst>
+      <p:ext uri="{BB962C8B-B14F-4D97-AF65-F5344CB8AC3E}">
+        <p14:creationId xmlns:p14="http://schemas.microsoft.com/office/powerpoint/2010/main" val="3368165426"/>
+      </p:ext>
+    </p:extLst>
+  </p:cSld>
+  <p:clrMapOvr>
+    <a:masterClrMapping/>
+  </p:clrMapOvr>
+  <p:timing>
+    <p:tnLst>
+      <p:par>
+        <p:cTn id="1" dur="indefinite" restart="never" nodeType="tmRoot">
+          <p:childTnLst>
+            <p:seq concurrent="1" nextAc="seek">
+              <p:cTn id="2" dur="indefinite" nodeType="mainSeq">
+                <p:childTnLst>
+                  <p:par>
+                    <p:cTn id="3" fill="hold">
+                      <p:stCondLst>
+                        <p:cond delay="indefinite"/>
+                      </p:stCondLst>
+                      <p:childTnLst>
+                        <p:par>
+                          <p:cTn id="4" fill="hold">
+                            <p:stCondLst>
+                              <p:cond delay="0"/>
+                            </p:stCondLst>
+                            <p:childTnLst>
+                              <p:par>
+                                <p:cTn id="5" presetID="2" presetClass="entr" presetSubtype="4" fill="hold" nodeType="clickEffect">
+                                  <p:stCondLst>
+                                    <p:cond delay="0"/>
+                                  </p:stCondLst>
+                                  <p:childTnLst>
+                                    <p:set>
+                                      <p:cBhvr>
+                                        <p:cTn id="6" dur="1" fill="hold">
+                                          <p:stCondLst>
+                                            <p:cond delay="0"/>
+                                          </p:stCondLst>
+                                        </p:cTn>
+                                        <p:tgtEl>
+                                          <p:spTgt spid="3">
+                                            <p:txEl>
+                                              <p:pRg st="0" end="0"/>
+                                            </p:txEl>
+                                          </p:spTgt>
+                                        </p:tgtEl>
+                                        <p:attrNameLst>
+                                          <p:attrName>style.visibility</p:attrName>
+                                        </p:attrNameLst>
+                                      </p:cBhvr>
+                                      <p:to>
+                                        <p:strVal val="visible"/>
+                                      </p:to>
+                                    </p:set>
+                                    <p:anim calcmode="lin" valueType="num">
+                                      <p:cBhvr additive="base">
+                                        <p:cTn id="7" dur="500" fill="hold"/>
+                                        <p:tgtEl>
+                                          <p:spTgt spid="3">
+                                            <p:txEl>
+                                              <p:pRg st="0" end="0"/>
+                                            </p:txEl>
+                                          </p:spTgt>
+                                        </p:tgtEl>
+                                        <p:attrNameLst>
+                                          <p:attrName>ppt_x</p:attrName>
+                                        </p:attrNameLst>
+                                      </p:cBhvr>
+                                      <p:tavLst>
+                                        <p:tav tm="0">
+                                          <p:val>
+                                            <p:strVal val="#ppt_x"/>
+                                          </p:val>
+                                        </p:tav>
+                                        <p:tav tm="100000">
+                                          <p:val>
+                                            <p:strVal val="#ppt_x"/>
+                                          </p:val>
+                                        </p:tav>
+                                      </p:tavLst>
+                                    </p:anim>
+                                    <p:anim calcmode="lin" valueType="num">
+                                      <p:cBhvr additive="base">
+                                        <p:cTn id="8" dur="500" fill="hold"/>
+                                        <p:tgtEl>
+                                          <p:spTgt spid="3">
+                                            <p:txEl>
+                                              <p:pRg st="0" end="0"/>
+                                            </p:txEl>
+                                          </p:spTgt>
+                                        </p:tgtEl>
+                                        <p:attrNameLst>
+                                          <p:attrName>ppt_y</p:attrName>
+                                        </p:attrNameLst>
+                                      </p:cBhvr>
+                                      <p:tavLst>
+                                        <p:tav tm="0">
+                                          <p:val>
+                                            <p:strVal val="1+#ppt_h/2"/>
+                                          </p:val>
+                                        </p:tav>
+                                        <p:tav tm="100000">
+                                          <p:val>
+                                            <p:strVal val="#ppt_y"/>
+                                          </p:val>
+                                        </p:tav>
+                                      </p:tavLst>
+                                    </p:anim>
+                                  </p:childTnLst>
+                                </p:cTn>
+                              </p:par>
+                            </p:childTnLst>
+                          </p:cTn>
+                        </p:par>
+                      </p:childTnLst>
+                    </p:cTn>
+                  </p:par>
+                  <p:par>
+                    <p:cTn id="9" fill="hold">
+                      <p:stCondLst>
+                        <p:cond delay="indefinite"/>
+                      </p:stCondLst>
+                      <p:childTnLst>
+                        <p:par>
+                          <p:cTn id="10" fill="hold">
+                            <p:stCondLst>
+                              <p:cond delay="0"/>
+                            </p:stCondLst>
+                            <p:childTnLst>
+                              <p:par>
+                                <p:cTn id="11" presetID="2" presetClass="entr" presetSubtype="4" fill="hold" nodeType="clickEffect">
+                                  <p:stCondLst>
+                                    <p:cond delay="0"/>
+                                  </p:stCondLst>
+                                  <p:childTnLst>
+                                    <p:set>
+                                      <p:cBhvr>
+                                        <p:cTn id="12" dur="1" fill="hold">
+                                          <p:stCondLst>
+                                            <p:cond delay="0"/>
+                                          </p:stCondLst>
+                                        </p:cTn>
+                                        <p:tgtEl>
+                                          <p:spTgt spid="3">
+                                            <p:txEl>
+                                              <p:pRg st="1" end="1"/>
+                                            </p:txEl>
+                                          </p:spTgt>
+                                        </p:tgtEl>
+                                        <p:attrNameLst>
+                                          <p:attrName>style.visibility</p:attrName>
+                                        </p:attrNameLst>
+                                      </p:cBhvr>
+                                      <p:to>
+                                        <p:strVal val="visible"/>
+                                      </p:to>
+                                    </p:set>
+                                    <p:anim calcmode="lin" valueType="num">
+                                      <p:cBhvr additive="base">
+                                        <p:cTn id="13" dur="500" fill="hold"/>
+                                        <p:tgtEl>
+                                          <p:spTgt spid="3">
+                                            <p:txEl>
+                                              <p:pRg st="1" end="1"/>
+                                            </p:txEl>
+                                          </p:spTgt>
+                                        </p:tgtEl>
+                                        <p:attrNameLst>
+                                          <p:attrName>ppt_x</p:attrName>
+                                        </p:attrNameLst>
+                                      </p:cBhvr>
+                                      <p:tavLst>
+                                        <p:tav tm="0">
+                                          <p:val>
+                                            <p:strVal val="#ppt_x"/>
+                                          </p:val>
+                                        </p:tav>
+                                        <p:tav tm="100000">
+                                          <p:val>
+                                            <p:strVal val="#ppt_x"/>
+                                          </p:val>
+                                        </p:tav>
+                                      </p:tavLst>
+                                    </p:anim>
+                                    <p:anim calcmode="lin" valueType="num">
+                                      <p:cBhvr additive="base">
+                                        <p:cTn id="14" dur="500" fill="hold"/>
+                                        <p:tgtEl>
+                                          <p:spTgt spid="3">
+                                            <p:txEl>
+                                              <p:pRg st="1" end="1"/>
+                                            </p:txEl>
+                                          </p:spTgt>
+                                        </p:tgtEl>
+                                        <p:attrNameLst>
+                                          <p:attrName>ppt_y</p:attrName>
+                                        </p:attrNameLst>
+                                      </p:cBhvr>
+                                      <p:tavLst>
+                                        <p:tav tm="0">
+                                          <p:val>
+                                            <p:strVal val="1+#ppt_h/2"/>
+                                          </p:val>
+                                        </p:tav>
+                                        <p:tav tm="100000">
+                                          <p:val>
+                                            <p:strVal val="#ppt_y"/>
+                                          </p:val>
+                                        </p:tav>
+                                      </p:tavLst>
+                                    </p:anim>
+                                  </p:childTnLst>
+                                </p:cTn>
+                              </p:par>
+                            </p:childTnLst>
+                          </p:cTn>
+                        </p:par>
+                      </p:childTnLst>
+                    </p:cTn>
+                  </p:par>
+                  <p:par>
+                    <p:cTn id="15" fill="hold">
+                      <p:stCondLst>
+                        <p:cond delay="indefinite"/>
+                      </p:stCondLst>
+                      <p:childTnLst>
+                        <p:par>
+                          <p:cTn id="16" fill="hold">
+                            <p:stCondLst>
+                              <p:cond delay="0"/>
+                            </p:stCondLst>
+                            <p:childTnLst>
+                              <p:par>
+                                <p:cTn id="17" presetID="2" presetClass="entr" presetSubtype="4" fill="hold" nodeType="clickEffect">
+                                  <p:stCondLst>
+                                    <p:cond delay="0"/>
+                                  </p:stCondLst>
+                                  <p:childTnLst>
+                                    <p:set>
+                                      <p:cBhvr>
+                                        <p:cTn id="18" dur="1" fill="hold">
+                                          <p:stCondLst>
+                                            <p:cond delay="0"/>
+                                          </p:stCondLst>
+                                        </p:cTn>
+                                        <p:tgtEl>
+                                          <p:spTgt spid="3">
+                                            <p:txEl>
+                                              <p:pRg st="2" end="2"/>
+                                            </p:txEl>
+                                          </p:spTgt>
+                                        </p:tgtEl>
+                                        <p:attrNameLst>
+                                          <p:attrName>style.visibility</p:attrName>
+                                        </p:attrNameLst>
+                                      </p:cBhvr>
+                                      <p:to>
+                                        <p:strVal val="visible"/>
+                                      </p:to>
+                                    </p:set>
+                                    <p:anim calcmode="lin" valueType="num">
+                                      <p:cBhvr additive="base">
+                                        <p:cTn id="19" dur="500" fill="hold"/>
+                                        <p:tgtEl>
+                                          <p:spTgt spid="3">
+                                            <p:txEl>
+                                              <p:pRg st="2" end="2"/>
+                                            </p:txEl>
+                                          </p:spTgt>
+                                        </p:tgtEl>
+                                        <p:attrNameLst>
+                                          <p:attrName>ppt_x</p:attrName>
+                                        </p:attrNameLst>
+                                      </p:cBhvr>
+                                      <p:tavLst>
+                                        <p:tav tm="0">
+                                          <p:val>
+                                            <p:strVal val="#ppt_x"/>
+                                          </p:val>
+                                        </p:tav>
+                                        <p:tav tm="100000">
+                                          <p:val>
+                                            <p:strVal val="#ppt_x"/>
+                                          </p:val>
+                                        </p:tav>
+                                      </p:tavLst>
+                                    </p:anim>
+                                    <p:anim calcmode="lin" valueType="num">
+                                      <p:cBhvr additive="base">
+                                        <p:cTn id="20" dur="500" fill="hold"/>
+                                        <p:tgtEl>
+                                          <p:spTgt spid="3">
+                                            <p:txEl>
+                                              <p:pRg st="2" end="2"/>
+                                            </p:txEl>
+                                          </p:spTgt>
+                                        </p:tgtEl>
+                                        <p:attrNameLst>
+                                          <p:attrName>ppt_y</p:attrName>
+                                        </p:attrNameLst>
+                                      </p:cBhvr>
+                                      <p:tavLst>
+                                        <p:tav tm="0">
+                                          <p:val>
+                                            <p:strVal val="1+#ppt_h/2"/>
+                                          </p:val>
+                                        </p:tav>
+                                        <p:tav tm="100000">
+                                          <p:val>
+                                            <p:strVal val="#ppt_y"/>
+                                          </p:val>
+                                        </p:tav>
+                                      </p:tavLst>
+                                    </p:anim>
+                                  </p:childTnLst>
+                                </p:cTn>
+                              </p:par>
+                            </p:childTnLst>
+                          </p:cTn>
+                        </p:par>
+                      </p:childTnLst>
+                    </p:cTn>
+                  </p:par>
+                  <p:par>
+                    <p:cTn id="21" fill="hold">
+                      <p:stCondLst>
+                        <p:cond delay="indefinite"/>
+                      </p:stCondLst>
+                      <p:childTnLst>
+                        <p:par>
+                          <p:cTn id="22" fill="hold">
+                            <p:stCondLst>
+                              <p:cond delay="0"/>
+                            </p:stCondLst>
+                            <p:childTnLst>
+                              <p:par>
+                                <p:cTn id="23" presetID="2" presetClass="entr" presetSubtype="4" fill="hold" nodeType="clickEffect">
+                                  <p:stCondLst>
+                                    <p:cond delay="0"/>
+                                  </p:stCondLst>
+                                  <p:childTnLst>
+                                    <p:set>
+                                      <p:cBhvr>
+                                        <p:cTn id="24" dur="1" fill="hold">
+                                          <p:stCondLst>
+                                            <p:cond delay="0"/>
+                                          </p:stCondLst>
+                                        </p:cTn>
+                                        <p:tgtEl>
+                                          <p:spTgt spid="3">
+                                            <p:txEl>
+                                              <p:pRg st="3" end="3"/>
+                                            </p:txEl>
+                                          </p:spTgt>
+                                        </p:tgtEl>
+                                        <p:attrNameLst>
+                                          <p:attrName>style.visibility</p:attrName>
+                                        </p:attrNameLst>
+                                      </p:cBhvr>
+                                      <p:to>
+                                        <p:strVal val="visible"/>
+                                      </p:to>
+                                    </p:set>
+                                    <p:anim calcmode="lin" valueType="num">
+                                      <p:cBhvr additive="base">
+                                        <p:cTn id="25" dur="500" fill="hold"/>
+                                        <p:tgtEl>
+                                          <p:spTgt spid="3">
+                                            <p:txEl>
+                                              <p:pRg st="3" end="3"/>
+                                            </p:txEl>
+                                          </p:spTgt>
+                                        </p:tgtEl>
+                                        <p:attrNameLst>
+                                          <p:attrName>ppt_x</p:attrName>
+                                        </p:attrNameLst>
+                                      </p:cBhvr>
+                                      <p:tavLst>
+                                        <p:tav tm="0">
+                                          <p:val>
+                                            <p:strVal val="#ppt_x"/>
+                                          </p:val>
+                                        </p:tav>
+                                        <p:tav tm="100000">
+                                          <p:val>
+                                            <p:strVal val="#ppt_x"/>
+                                          </p:val>
+                                        </p:tav>
+                                      </p:tavLst>
+                                    </p:anim>
+                                    <p:anim calcmode="lin" valueType="num">
+                                      <p:cBhvr additive="base">
+                                        <p:cTn id="26" dur="500" fill="hold"/>
+                                        <p:tgtEl>
+                                          <p:spTgt spid="3">
+                                            <p:txEl>
+                                              <p:pRg st="3" end="3"/>
+                                            </p:txEl>
+                                          </p:spTgt>
+                                        </p:tgtEl>
+                                        <p:attrNameLst>
+                                          <p:attrName>ppt_y</p:attrName>
+                                        </p:attrNameLst>
+                                      </p:cBhvr>
+                                      <p:tavLst>
+                                        <p:tav tm="0">
+                                          <p:val>
+                                            <p:strVal val="1+#ppt_h/2"/>
+                                          </p:val>
+                                        </p:tav>
+                                        <p:tav tm="100000">
+                                          <p:val>
+                                            <p:strVal val="#ppt_y"/>
+                                          </p:val>
+                                        </p:tav>
+                                      </p:tavLst>
+                                    </p:anim>
+                                  </p:childTnLst>
+                                </p:cTn>
+                              </p:par>
+                            </p:childTnLst>
+                          </p:cTn>
+                        </p:par>
+                      </p:childTnLst>
+                    </p:cTn>
+                  </p:par>
+                  <p:par>
+                    <p:cTn id="27" fill="hold">
+                      <p:stCondLst>
+                        <p:cond delay="indefinite"/>
+                      </p:stCondLst>
+                      <p:childTnLst>
+                        <p:par>
+                          <p:cTn id="28" fill="hold">
+                            <p:stCondLst>
+                              <p:cond delay="0"/>
+                            </p:stCondLst>
+                            <p:childTnLst>
+                              <p:par>
+                                <p:cTn id="29" presetID="2" presetClass="entr" presetSubtype="4" fill="hold" nodeType="clickEffect">
+                                  <p:stCondLst>
+                                    <p:cond delay="0"/>
+                                  </p:stCondLst>
+                                  <p:childTnLst>
+                                    <p:set>
+                                      <p:cBhvr>
+                                        <p:cTn id="30" dur="1" fill="hold">
+                                          <p:stCondLst>
+                                            <p:cond delay="0"/>
+                                          </p:stCondLst>
+                                        </p:cTn>
+                                        <p:tgtEl>
+                                          <p:spTgt spid="3">
+                                            <p:txEl>
+                                              <p:pRg st="4" end="4"/>
+                                            </p:txEl>
+                                          </p:spTgt>
+                                        </p:tgtEl>
+                                        <p:attrNameLst>
+                                          <p:attrName>style.visibility</p:attrName>
+                                        </p:attrNameLst>
+                                      </p:cBhvr>
+                                      <p:to>
+                                        <p:strVal val="visible"/>
+                                      </p:to>
+                                    </p:set>
+                                    <p:anim calcmode="lin" valueType="num">
+                                      <p:cBhvr additive="base">
+                                        <p:cTn id="31" dur="500" fill="hold"/>
+                                        <p:tgtEl>
+                                          <p:spTgt spid="3">
+                                            <p:txEl>
+                                              <p:pRg st="4" end="4"/>
+                                            </p:txEl>
+                                          </p:spTgt>
+                                        </p:tgtEl>
+                                        <p:attrNameLst>
+                                          <p:attrName>ppt_x</p:attrName>
+                                        </p:attrNameLst>
+                                      </p:cBhvr>
+                                      <p:tavLst>
+                                        <p:tav tm="0">
+                                          <p:val>
+                                            <p:strVal val="#ppt_x"/>
+                                          </p:val>
+                                        </p:tav>
+                                        <p:tav tm="100000">
+                                          <p:val>
+                                            <p:strVal val="#ppt_x"/>
+                                          </p:val>
+                                        </p:tav>
+                                      </p:tavLst>
+                                    </p:anim>
+                                    <p:anim calcmode="lin" valueType="num">
+                                      <p:cBhvr additive="base">
+                                        <p:cTn id="32" dur="500" fill="hold"/>
+                                        <p:tgtEl>
+                                          <p:spTgt spid="3">
+                                            <p:txEl>
+                                              <p:pRg st="4" end="4"/>
+                                            </p:txEl>
+                                          </p:spTgt>
+                                        </p:tgtEl>
+                                        <p:attrNameLst>
+                                          <p:attrName>ppt_y</p:attrName>
+                                        </p:attrNameLst>
+                                      </p:cBhvr>
+                                      <p:tavLst>
+                                        <p:tav tm="0">
+                                          <p:val>
+                                            <p:strVal val="1+#ppt_h/2"/>
+                                          </p:val>
+                                        </p:tav>
+                                        <p:tav tm="100000">
+                                          <p:val>
+                                            <p:strVal val="#ppt_y"/>
+                                          </p:val>
+                                        </p:tav>
+                                      </p:tavLst>
+                                    </p:anim>
+                                  </p:childTnLst>
+                                </p:cTn>
+                              </p:par>
+                            </p:childTnLst>
+                          </p:cTn>
+                        </p:par>
+                      </p:childTnLst>
+                    </p:cTn>
+                  </p:par>
+                </p:childTnLst>
+              </p:cTn>
+              <p:prevCondLst>
+                <p:cond evt="onPrev" delay="0">
+                  <p:tgtEl>
+                    <p:sldTgt/>
+                  </p:tgtEl>
+                </p:cond>
+              </p:prevCondLst>
+              <p:nextCondLst>
+                <p:cond evt="onNext" delay="0">
+                  <p:tgtEl>
+                    <p:sldTgt/>
+                  </p:tgtEl>
+                </p:cond>
+              </p:nextCondLst>
+            </p:seq>
+          </p:childTnLst>
+        </p:cTn>
       </p:par>
     </p:tnLst>
   </p:timing>
